--- a/FastAPI.pptx
+++ b/FastAPI.pptx
@@ -5,7 +5,7 @@
     <p:sldMasterId id="2147483696" r:id="rId1"/>
   </p:sldMasterIdLst>
   <p:notesMasterIdLst>
-    <p:notesMasterId r:id="rId9"/>
+    <p:notesMasterId r:id="rId10"/>
   </p:notesMasterIdLst>
   <p:sldIdLst>
     <p:sldId id="256" r:id="rId2"/>
@@ -14,7 +14,8 @@
     <p:sldId id="260" r:id="rId5"/>
     <p:sldId id="262" r:id="rId6"/>
     <p:sldId id="263" r:id="rId7"/>
-    <p:sldId id="261" r:id="rId8"/>
+    <p:sldId id="264" r:id="rId8"/>
+    <p:sldId id="261" r:id="rId9"/>
   </p:sldIdLst>
   <p:sldSz cx="12192000" cy="6858000"/>
   <p:notesSz cx="6858000" cy="9144000"/>
@@ -124,7 +125,7 @@
 <file path=ppt/revisionInfo.xml><?xml version="1.0" encoding="utf-8"?>
 <p1510:revInfo xmlns:a="http://schemas.openxmlformats.org/drawingml/2006/main" xmlns:r="http://schemas.openxmlformats.org/officeDocument/2006/relationships" xmlns:p1510="http://schemas.microsoft.com/office/powerpoint/2015/10/main">
   <p1510:revLst>
-    <p1510:client id="{07CAFD1D-20C5-4BCD-B16D-DC0680A38C3B}" v="135" dt="2024-09-16T05:45:34.239"/>
+    <p1510:client id="{07CAFD1D-20C5-4BCD-B16D-DC0680A38C3B}" v="136" dt="2024-09-16T13:47:38.832"/>
   </p1510:revLst>
 </p1510:revInfo>
 </file>
@@ -134,7 +135,7 @@
   <pc:docChgLst>
     <pc:chgData name="Vasyl Kolomiets" userId="d150f0032c567a90" providerId="LiveId" clId="{07CAFD1D-20C5-4BCD-B16D-DC0680A38C3B}"/>
     <pc:docChg chg="undo custSel addSld delSld modSld">
-      <pc:chgData name="Vasyl Kolomiets" userId="d150f0032c567a90" providerId="LiveId" clId="{07CAFD1D-20C5-4BCD-B16D-DC0680A38C3B}" dt="2024-09-16T06:20:16.759" v="1515" actId="313"/>
+      <pc:chgData name="Vasyl Kolomiets" userId="d150f0032c567a90" providerId="LiveId" clId="{07CAFD1D-20C5-4BCD-B16D-DC0680A38C3B}" dt="2024-09-16T13:48:08.384" v="1898" actId="6549"/>
       <pc:docMkLst>
         <pc:docMk/>
       </pc:docMkLst>
@@ -342,7 +343,7 @@
         </pc:spChg>
       </pc:sldChg>
       <pc:sldChg chg="modSp new mod">
-        <pc:chgData name="Vasyl Kolomiets" userId="d150f0032c567a90" providerId="LiveId" clId="{07CAFD1D-20C5-4BCD-B16D-DC0680A38C3B}" dt="2024-09-16T06:18:19.924" v="1510" actId="20577"/>
+        <pc:chgData name="Vasyl Kolomiets" userId="d150f0032c567a90" providerId="LiveId" clId="{07CAFD1D-20C5-4BCD-B16D-DC0680A38C3B}" dt="2024-09-16T13:33:28.860" v="1528"/>
         <pc:sldMkLst>
           <pc:docMk/>
           <pc:sldMk cId="1739155466" sldId="261"/>
@@ -356,7 +357,7 @@
           </ac:spMkLst>
         </pc:spChg>
         <pc:spChg chg="mod">
-          <ac:chgData name="Vasyl Kolomiets" userId="d150f0032c567a90" providerId="LiveId" clId="{07CAFD1D-20C5-4BCD-B16D-DC0680A38C3B}" dt="2024-09-16T04:38:18.015" v="1266"/>
+          <ac:chgData name="Vasyl Kolomiets" userId="d150f0032c567a90" providerId="LiveId" clId="{07CAFD1D-20C5-4BCD-B16D-DC0680A38C3B}" dt="2024-09-16T13:33:28.860" v="1528"/>
           <ac:spMkLst>
             <pc:docMk/>
             <pc:sldMk cId="1739155466" sldId="261"/>
@@ -364,8 +365,8 @@
           </ac:spMkLst>
         </pc:spChg>
       </pc:sldChg>
-      <pc:sldChg chg="addSp delSp modSp new mod">
-        <pc:chgData name="Vasyl Kolomiets" userId="d150f0032c567a90" providerId="LiveId" clId="{07CAFD1D-20C5-4BCD-B16D-DC0680A38C3B}" dt="2024-09-16T05:45:22.869" v="1483" actId="12"/>
+      <pc:sldChg chg="addSp delSp modSp new mod modNotesTx">
+        <pc:chgData name="Vasyl Kolomiets" userId="d150f0032c567a90" providerId="LiveId" clId="{07CAFD1D-20C5-4BCD-B16D-DC0680A38C3B}" dt="2024-09-16T13:41:12.993" v="1576" actId="20577"/>
         <pc:sldMkLst>
           <pc:docMk/>
           <pc:sldMk cId="894229712" sldId="262"/>
@@ -395,8 +396,8 @@
           </ac:graphicFrameMkLst>
         </pc:graphicFrameChg>
       </pc:sldChg>
-      <pc:sldChg chg="modSp add mod">
-        <pc:chgData name="Vasyl Kolomiets" userId="d150f0032c567a90" providerId="LiveId" clId="{07CAFD1D-20C5-4BCD-B16D-DC0680A38C3B}" dt="2024-09-16T06:01:16.011" v="1495" actId="1076"/>
+      <pc:sldChg chg="modSp add mod modNotesTx">
+        <pc:chgData name="Vasyl Kolomiets" userId="d150f0032c567a90" providerId="LiveId" clId="{07CAFD1D-20C5-4BCD-B16D-DC0680A38C3B}" dt="2024-09-16T13:43:36.360" v="1700" actId="20577"/>
         <pc:sldMkLst>
           <pc:docMk/>
           <pc:sldMk cId="2264095611" sldId="263"/>
@@ -407,6 +408,29 @@
             <pc:docMk/>
             <pc:sldMk cId="2264095611" sldId="263"/>
             <ac:spMk id="3" creationId="{968CA4CF-2B1A-A06B-9885-F3B22E35D4FF}"/>
+          </ac:spMkLst>
+        </pc:spChg>
+      </pc:sldChg>
+      <pc:sldChg chg="modSp new mod">
+        <pc:chgData name="Vasyl Kolomiets" userId="d150f0032c567a90" providerId="LiveId" clId="{07CAFD1D-20C5-4BCD-B16D-DC0680A38C3B}" dt="2024-09-16T13:48:08.384" v="1898" actId="6549"/>
+        <pc:sldMkLst>
+          <pc:docMk/>
+          <pc:sldMk cId="4122149463" sldId="264"/>
+        </pc:sldMkLst>
+        <pc:spChg chg="mod">
+          <ac:chgData name="Vasyl Kolomiets" userId="d150f0032c567a90" providerId="LiveId" clId="{07CAFD1D-20C5-4BCD-B16D-DC0680A38C3B}" dt="2024-09-16T13:48:08.384" v="1898" actId="6549"/>
+          <ac:spMkLst>
+            <pc:docMk/>
+            <pc:sldMk cId="4122149463" sldId="264"/>
+            <ac:spMk id="2" creationId="{49AEA690-B945-4F3F-2384-E3BDE6D277FD}"/>
+          </ac:spMkLst>
+        </pc:spChg>
+        <pc:spChg chg="mod">
+          <ac:chgData name="Vasyl Kolomiets" userId="d150f0032c567a90" providerId="LiveId" clId="{07CAFD1D-20C5-4BCD-B16D-DC0680A38C3B}" dt="2024-09-16T13:47:33.113" v="1855" actId="20577"/>
+          <ac:spMkLst>
+            <pc:docMk/>
+            <pc:sldMk cId="4122149463" sldId="264"/>
+            <ac:spMk id="3" creationId="{A88A8D30-416E-7860-084F-1959B3D8042C}"/>
           </ac:spMkLst>
         </pc:spChg>
       </pc:sldChg>
@@ -6827,6 +6851,223 @@
 </p:notes>
 </file>
 
+<file path=ppt/notesSlides/notesSlide2.xml><?xml version="1.0" encoding="utf-8"?>
+<p:notes xmlns:a="http://schemas.openxmlformats.org/drawingml/2006/main" xmlns:r="http://schemas.openxmlformats.org/officeDocument/2006/relationships" xmlns:p="http://schemas.openxmlformats.org/presentationml/2006/main">
+  <p:cSld>
+    <p:spTree>
+      <p:nvGrpSpPr>
+        <p:cNvPr id="1" name=""/>
+        <p:cNvGrpSpPr/>
+        <p:nvPr/>
+      </p:nvGrpSpPr>
+      <p:grpSpPr>
+        <a:xfrm>
+          <a:off x="0" y="0"/>
+          <a:ext cx="0" cy="0"/>
+          <a:chOff x="0" y="0"/>
+          <a:chExt cx="0" cy="0"/>
+        </a:xfrm>
+      </p:grpSpPr>
+      <p:sp>
+        <p:nvSpPr>
+          <p:cNvPr id="2" name="Місце для зображення 1"/>
+          <p:cNvSpPr>
+            <a:spLocks noGrp="1" noRot="1" noChangeAspect="1"/>
+          </p:cNvSpPr>
+          <p:nvPr>
+            <p:ph type="sldImg"/>
+          </p:nvPr>
+        </p:nvSpPr>
+        <p:spPr/>
+      </p:sp>
+      <p:sp>
+        <p:nvSpPr>
+          <p:cNvPr id="3" name="Місце для нотаток 2"/>
+          <p:cNvSpPr>
+            <a:spLocks noGrp="1"/>
+          </p:cNvSpPr>
+          <p:nvPr>
+            <p:ph type="body" idx="1"/>
+          </p:nvPr>
+        </p:nvSpPr>
+        <p:spPr/>
+        <p:txBody>
+          <a:bodyPr/>
+          <a:lstStyle/>
+          <a:p>
+            <a:r>
+              <a:rPr lang="uk-UA" dirty="0"/>
+              <a:t>Найпростіший код в стилі </a:t>
+            </a:r>
+            <a:r>
+              <a:rPr lang="en-US" dirty="0"/>
+              <a:t>Flask</a:t>
+            </a:r>
+            <a:endParaRPr lang="uk-UA" dirty="0"/>
+          </a:p>
+        </p:txBody>
+      </p:sp>
+      <p:sp>
+        <p:nvSpPr>
+          <p:cNvPr id="4" name="Місце для номера слайда 3"/>
+          <p:cNvSpPr>
+            <a:spLocks noGrp="1"/>
+          </p:cNvSpPr>
+          <p:nvPr>
+            <p:ph type="sldNum" sz="quarter" idx="5"/>
+          </p:nvPr>
+        </p:nvSpPr>
+        <p:spPr/>
+        <p:txBody>
+          <a:bodyPr/>
+          <a:lstStyle/>
+          <a:p>
+            <a:fld id="{898CB1F7-51C3-4994-B9DA-DF88A9775B7E}" type="slidenum">
+              <a:rPr lang="uk-UA" smtClean="0"/>
+              <a:t>5</a:t>
+            </a:fld>
+            <a:endParaRPr lang="uk-UA"/>
+          </a:p>
+        </p:txBody>
+      </p:sp>
+    </p:spTree>
+    <p:extLst>
+      <p:ext uri="{BB962C8B-B14F-4D97-AF65-F5344CB8AC3E}">
+        <p14:creationId xmlns:p14="http://schemas.microsoft.com/office/powerpoint/2010/main" val="2092901784"/>
+      </p:ext>
+    </p:extLst>
+  </p:cSld>
+  <p:clrMapOvr>
+    <a:masterClrMapping/>
+  </p:clrMapOvr>
+</p:notes>
+</file>
+
+<file path=ppt/notesSlides/notesSlide3.xml><?xml version="1.0" encoding="utf-8"?>
+<p:notes xmlns:a="http://schemas.openxmlformats.org/drawingml/2006/main" xmlns:r="http://schemas.openxmlformats.org/officeDocument/2006/relationships" xmlns:p="http://schemas.openxmlformats.org/presentationml/2006/main">
+  <p:cSld>
+    <p:spTree>
+      <p:nvGrpSpPr>
+        <p:cNvPr id="1" name=""/>
+        <p:cNvGrpSpPr/>
+        <p:nvPr/>
+      </p:nvGrpSpPr>
+      <p:grpSpPr>
+        <a:xfrm>
+          <a:off x="0" y="0"/>
+          <a:ext cx="0" cy="0"/>
+          <a:chOff x="0" y="0"/>
+          <a:chExt cx="0" cy="0"/>
+        </a:xfrm>
+      </p:grpSpPr>
+      <p:sp>
+        <p:nvSpPr>
+          <p:cNvPr id="2" name="Місце для зображення 1"/>
+          <p:cNvSpPr>
+            <a:spLocks noGrp="1" noRot="1" noChangeAspect="1"/>
+          </p:cNvSpPr>
+          <p:nvPr>
+            <p:ph type="sldImg"/>
+          </p:nvPr>
+        </p:nvSpPr>
+        <p:spPr/>
+      </p:sp>
+      <p:sp>
+        <p:nvSpPr>
+          <p:cNvPr id="3" name="Місце для нотаток 2"/>
+          <p:cNvSpPr>
+            <a:spLocks noGrp="1"/>
+          </p:cNvSpPr>
+          <p:nvPr>
+            <p:ph type="body" idx="1"/>
+          </p:nvPr>
+        </p:nvSpPr>
+        <p:spPr/>
+        <p:txBody>
+          <a:bodyPr/>
+          <a:lstStyle/>
+          <a:p>
+            <a:r>
+              <a:rPr lang="uk-UA" dirty="0"/>
+              <a:t>Але направду переваги </a:t>
+            </a:r>
+            <a:r>
+              <a:rPr lang="en-US" dirty="0"/>
+              <a:t>FastAPI</a:t>
+            </a:r>
+            <a:r>
+              <a:rPr lang="uk-UA" dirty="0"/>
+              <a:t> стають відчутними при використанні синергії  із</a:t>
+            </a:r>
+            <a:r>
+              <a:rPr lang="en-US" dirty="0"/>
+              <a:t> Pydantic</a:t>
+            </a:r>
+            <a:r>
+              <a:rPr lang="uk-UA" dirty="0"/>
+              <a:t>:</a:t>
+            </a:r>
+            <a:br>
+              <a:rPr lang="uk-UA" dirty="0"/>
+            </a:br>
+            <a:br>
+              <a:rPr lang="uk-UA" dirty="0"/>
+            </a:br>
+            <a:r>
+              <a:rPr lang="uk-UA" dirty="0"/>
+              <a:t>/</a:t>
+            </a:r>
+            <a:r>
+              <a:rPr lang="en-US" dirty="0" err="1"/>
+              <a:t>redoc</a:t>
+            </a:r>
+            <a:endParaRPr lang="en-US" dirty="0"/>
+          </a:p>
+          <a:p>
+            <a:r>
+              <a:rPr lang="en-US" dirty="0"/>
+              <a:t>/docs</a:t>
+            </a:r>
+            <a:endParaRPr lang="uk-UA" dirty="0"/>
+          </a:p>
+        </p:txBody>
+      </p:sp>
+      <p:sp>
+        <p:nvSpPr>
+          <p:cNvPr id="4" name="Місце для номера слайда 3"/>
+          <p:cNvSpPr>
+            <a:spLocks noGrp="1"/>
+          </p:cNvSpPr>
+          <p:nvPr>
+            <p:ph type="sldNum" sz="quarter" idx="5"/>
+          </p:nvPr>
+        </p:nvSpPr>
+        <p:spPr/>
+        <p:txBody>
+          <a:bodyPr/>
+          <a:lstStyle/>
+          <a:p>
+            <a:fld id="{898CB1F7-51C3-4994-B9DA-DF88A9775B7E}" type="slidenum">
+              <a:rPr lang="uk-UA" smtClean="0"/>
+              <a:t>6</a:t>
+            </a:fld>
+            <a:endParaRPr lang="uk-UA"/>
+          </a:p>
+        </p:txBody>
+      </p:sp>
+    </p:spTree>
+    <p:extLst>
+      <p:ext uri="{BB962C8B-B14F-4D97-AF65-F5344CB8AC3E}">
+        <p14:creationId xmlns:p14="http://schemas.microsoft.com/office/powerpoint/2010/main" val="4095203278"/>
+      </p:ext>
+    </p:extLst>
+  </p:cSld>
+  <p:clrMapOvr>
+    <a:masterClrMapping/>
+  </p:clrMapOvr>
+</p:notes>
+</file>
+
 <file path=ppt/slideLayouts/slideLayout1.xml><?xml version="1.0" encoding="utf-8"?>
 <p:sldLayout xmlns:a="http://schemas.openxmlformats.org/drawingml/2006/main" xmlns:r="http://schemas.openxmlformats.org/officeDocument/2006/relationships" xmlns:p="http://schemas.openxmlformats.org/presentationml/2006/main" showMasterSp="0" type="title" preserve="1">
   <p:cSld name="Титульний слайд">
@@ -6877,7 +7118,7 @@
           <a:noFill/>
           <a:extLst>
             <a:ext uri="{909E8E84-426E-40dd-AFC4-6F175D3DCCD1}">
-              <a14:hiddenFill xmlns:a14="http://schemas.microsoft.com/office/drawing/2010/main" xmlns="">
+              <a14:hiddenFill xmlns="" xmlns:a14="http://schemas.microsoft.com/office/drawing/2010/main">
                 <a:solidFill>
                   <a:srgbClr val="FFFFFF"/>
                 </a:solidFill>
@@ -6937,7 +7178,7 @@
             </a:ln>
             <a:extLst>
               <a:ext uri="{91240B29-F687-4f45-9708-019B960494DF}">
-                <a14:hiddenLine xmlns:a14="http://schemas.microsoft.com/office/drawing/2010/main" xmlns="" w="9525">
+                <a14:hiddenLine xmlns="" xmlns:a14="http://schemas.microsoft.com/office/drawing/2010/main" w="9525">
                   <a:solidFill>
                     <a:srgbClr val="000000"/>
                   </a:solidFill>
@@ -7027,7 +7268,7 @@
             </a:ln>
             <a:extLst>
               <a:ext uri="{91240B29-F687-4f45-9708-019B960494DF}">
-                <a14:hiddenLine xmlns:a14="http://schemas.microsoft.com/office/drawing/2010/main" xmlns="" w="9525">
+                <a14:hiddenLine xmlns="" xmlns:a14="http://schemas.microsoft.com/office/drawing/2010/main" w="9525">
                   <a:solidFill>
                     <a:srgbClr val="000000"/>
                   </a:solidFill>
@@ -7117,7 +7358,7 @@
             </a:ln>
             <a:extLst>
               <a:ext uri="{91240B29-F687-4f45-9708-019B960494DF}">
-                <a14:hiddenLine xmlns:a14="http://schemas.microsoft.com/office/drawing/2010/main" xmlns="" w="9525">
+                <a14:hiddenLine xmlns="" xmlns:a14="http://schemas.microsoft.com/office/drawing/2010/main" w="9525">
                   <a:solidFill>
                     <a:srgbClr val="000000"/>
                   </a:solidFill>
@@ -7151,7 +7392,7 @@
             </a:ln>
             <a:extLst>
               <a:ext uri="{91240B29-F687-4f45-9708-019B960494DF}">
-                <a14:hiddenLine xmlns:a14="http://schemas.microsoft.com/office/drawing/2010/main" xmlns="" w="9525">
+                <a14:hiddenLine xmlns="" xmlns:a14="http://schemas.microsoft.com/office/drawing/2010/main" w="9525">
                   <a:solidFill>
                     <a:srgbClr val="000000"/>
                   </a:solidFill>
@@ -7241,7 +7482,7 @@
             </a:ln>
             <a:extLst>
               <a:ext uri="{91240B29-F687-4f45-9708-019B960494DF}">
-                <a14:hiddenLine xmlns:a14="http://schemas.microsoft.com/office/drawing/2010/main" xmlns="" w="9525">
+                <a14:hiddenLine xmlns="" xmlns:a14="http://schemas.microsoft.com/office/drawing/2010/main" w="9525">
                   <a:solidFill>
                     <a:srgbClr val="000000"/>
                   </a:solidFill>
@@ -7303,7 +7544,7 @@
             </a:ln>
             <a:extLst>
               <a:ext uri="{91240B29-F687-4f45-9708-019B960494DF}">
-                <a14:hiddenLine xmlns:a14="http://schemas.microsoft.com/office/drawing/2010/main" xmlns="" w="9525">
+                <a14:hiddenLine xmlns="" xmlns:a14="http://schemas.microsoft.com/office/drawing/2010/main" w="9525">
                   <a:solidFill>
                     <a:srgbClr val="000000"/>
                   </a:solidFill>
@@ -7365,7 +7606,7 @@
             </a:ln>
             <a:extLst>
               <a:ext uri="{91240B29-F687-4f45-9708-019B960494DF}">
-                <a14:hiddenLine xmlns:a14="http://schemas.microsoft.com/office/drawing/2010/main" xmlns="" w="9525">
+                <a14:hiddenLine xmlns="" xmlns:a14="http://schemas.microsoft.com/office/drawing/2010/main" w="9525">
                   <a:solidFill>
                     <a:srgbClr val="000000"/>
                   </a:solidFill>
@@ -7455,7 +7696,7 @@
             </a:ln>
             <a:extLst>
               <a:ext uri="{91240B29-F687-4f45-9708-019B960494DF}">
-                <a14:hiddenLine xmlns:a14="http://schemas.microsoft.com/office/drawing/2010/main" xmlns="" w="9525">
+                <a14:hiddenLine xmlns="" xmlns:a14="http://schemas.microsoft.com/office/drawing/2010/main" w="9525">
                   <a:solidFill>
                     <a:srgbClr val="000000"/>
                   </a:solidFill>
@@ -7517,7 +7758,7 @@
             </a:ln>
             <a:extLst>
               <a:ext uri="{91240B29-F687-4f45-9708-019B960494DF}">
-                <a14:hiddenLine xmlns:a14="http://schemas.microsoft.com/office/drawing/2010/main" xmlns="" w="9525">
+                <a14:hiddenLine xmlns="" xmlns:a14="http://schemas.microsoft.com/office/drawing/2010/main" w="9525">
                   <a:solidFill>
                     <a:srgbClr val="000000"/>
                   </a:solidFill>
@@ -7579,7 +7820,7 @@
             </a:ln>
             <a:extLst>
               <a:ext uri="{91240B29-F687-4f45-9708-019B960494DF}">
-                <a14:hiddenLine xmlns:a14="http://schemas.microsoft.com/office/drawing/2010/main" xmlns="" w="9525">
+                <a14:hiddenLine xmlns="" xmlns:a14="http://schemas.microsoft.com/office/drawing/2010/main" w="9525">
                   <a:solidFill>
                     <a:srgbClr val="000000"/>
                   </a:solidFill>
@@ -7669,7 +7910,7 @@
             </a:ln>
             <a:extLst>
               <a:ext uri="{91240B29-F687-4f45-9708-019B960494DF}">
-                <a14:hiddenLine xmlns:a14="http://schemas.microsoft.com/office/drawing/2010/main" xmlns="" w="9525">
+                <a14:hiddenLine xmlns="" xmlns:a14="http://schemas.microsoft.com/office/drawing/2010/main" w="9525">
                   <a:solidFill>
                     <a:srgbClr val="000000"/>
                   </a:solidFill>
@@ -7759,7 +8000,7 @@
             </a:ln>
             <a:extLst>
               <a:ext uri="{91240B29-F687-4f45-9708-019B960494DF}">
-                <a14:hiddenLine xmlns:a14="http://schemas.microsoft.com/office/drawing/2010/main" xmlns="" w="9525">
+                <a14:hiddenLine xmlns="" xmlns:a14="http://schemas.microsoft.com/office/drawing/2010/main" w="9525">
                   <a:solidFill>
                     <a:srgbClr val="000000"/>
                   </a:solidFill>
@@ -7821,7 +8062,7 @@
             </a:ln>
             <a:extLst>
               <a:ext uri="{91240B29-F687-4f45-9708-019B960494DF}">
-                <a14:hiddenLine xmlns:a14="http://schemas.microsoft.com/office/drawing/2010/main" xmlns="" w="9525">
+                <a14:hiddenLine xmlns="" xmlns:a14="http://schemas.microsoft.com/office/drawing/2010/main" w="9525">
                   <a:solidFill>
                     <a:srgbClr val="000000"/>
                   </a:solidFill>
@@ -7931,7 +8172,7 @@
             </a:ln>
             <a:extLst>
               <a:ext uri="{91240B29-F687-4f45-9708-019B960494DF}">
-                <a14:hiddenLine xmlns:a14="http://schemas.microsoft.com/office/drawing/2010/main" xmlns="" w="9525">
+                <a14:hiddenLine xmlns="" xmlns:a14="http://schemas.microsoft.com/office/drawing/2010/main" w="9525">
                   <a:solidFill>
                     <a:srgbClr val="000000"/>
                   </a:solidFill>
@@ -7993,7 +8234,7 @@
             </a:ln>
             <a:extLst>
               <a:ext uri="{91240B29-F687-4f45-9708-019B960494DF}">
-                <a14:hiddenLine xmlns:a14="http://schemas.microsoft.com/office/drawing/2010/main" xmlns="" w="9525">
+                <a14:hiddenLine xmlns="" xmlns:a14="http://schemas.microsoft.com/office/drawing/2010/main" w="9525">
                   <a:solidFill>
                     <a:srgbClr val="000000"/>
                   </a:solidFill>
@@ -8083,7 +8324,7 @@
             </a:ln>
             <a:extLst>
               <a:ext uri="{91240B29-F687-4f45-9708-019B960494DF}">
-                <a14:hiddenLine xmlns:a14="http://schemas.microsoft.com/office/drawing/2010/main" xmlns="" w="9525">
+                <a14:hiddenLine xmlns="" xmlns:a14="http://schemas.microsoft.com/office/drawing/2010/main" w="9525">
                   <a:solidFill>
                     <a:srgbClr val="000000"/>
                   </a:solidFill>
@@ -8173,7 +8414,7 @@
             </a:ln>
             <a:extLst>
               <a:ext uri="{91240B29-F687-4f45-9708-019B960494DF}">
-                <a14:hiddenLine xmlns:a14="http://schemas.microsoft.com/office/drawing/2010/main" xmlns="" w="9525">
+                <a14:hiddenLine xmlns="" xmlns:a14="http://schemas.microsoft.com/office/drawing/2010/main" w="9525">
                   <a:solidFill>
                     <a:srgbClr val="000000"/>
                   </a:solidFill>
@@ -8235,7 +8476,7 @@
             </a:ln>
             <a:extLst>
               <a:ext uri="{91240B29-F687-4f45-9708-019B960494DF}">
-                <a14:hiddenLine xmlns:a14="http://schemas.microsoft.com/office/drawing/2010/main" xmlns="" w="9525">
+                <a14:hiddenLine xmlns="" xmlns:a14="http://schemas.microsoft.com/office/drawing/2010/main" w="9525">
                   <a:solidFill>
                     <a:srgbClr val="000000"/>
                   </a:solidFill>
@@ -8325,7 +8566,7 @@
             </a:ln>
             <a:extLst>
               <a:ext uri="{91240B29-F687-4f45-9708-019B960494DF}">
-                <a14:hiddenLine xmlns:a14="http://schemas.microsoft.com/office/drawing/2010/main" xmlns="" w="9525">
+                <a14:hiddenLine xmlns="" xmlns:a14="http://schemas.microsoft.com/office/drawing/2010/main" w="9525">
                   <a:solidFill>
                     <a:srgbClr val="000000"/>
                   </a:solidFill>
@@ -8415,7 +8656,7 @@
             </a:ln>
             <a:extLst>
               <a:ext uri="{91240B29-F687-4f45-9708-019B960494DF}">
-                <a14:hiddenLine xmlns:a14="http://schemas.microsoft.com/office/drawing/2010/main" xmlns="" w="9525">
+                <a14:hiddenLine xmlns="" xmlns:a14="http://schemas.microsoft.com/office/drawing/2010/main" w="9525">
                   <a:solidFill>
                     <a:srgbClr val="000000"/>
                   </a:solidFill>
@@ -8471,7 +8712,7 @@
             </a:ln>
             <a:extLst>
               <a:ext uri="{91240B29-F687-4f45-9708-019B960494DF}">
-                <a14:hiddenLine xmlns:a14="http://schemas.microsoft.com/office/drawing/2010/main" xmlns="" w="9525">
+                <a14:hiddenLine xmlns="" xmlns:a14="http://schemas.microsoft.com/office/drawing/2010/main" w="9525">
                   <a:solidFill>
                     <a:srgbClr val="000000"/>
                   </a:solidFill>
@@ -8561,7 +8802,7 @@
             </a:ln>
             <a:extLst>
               <a:ext uri="{91240B29-F687-4f45-9708-019B960494DF}">
-                <a14:hiddenLine xmlns:a14="http://schemas.microsoft.com/office/drawing/2010/main" xmlns="" w="9525">
+                <a14:hiddenLine xmlns="" xmlns:a14="http://schemas.microsoft.com/office/drawing/2010/main" w="9525">
                   <a:solidFill>
                     <a:srgbClr val="000000"/>
                   </a:solidFill>
@@ -8617,7 +8858,7 @@
             </a:ln>
             <a:extLst>
               <a:ext uri="{91240B29-F687-4f45-9708-019B960494DF}">
-                <a14:hiddenLine xmlns:a14="http://schemas.microsoft.com/office/drawing/2010/main" xmlns="" w="9525">
+                <a14:hiddenLine xmlns="" xmlns:a14="http://schemas.microsoft.com/office/drawing/2010/main" w="9525">
                   <a:solidFill>
                     <a:srgbClr val="000000"/>
                   </a:solidFill>
@@ -8707,7 +8948,7 @@
             </a:ln>
             <a:extLst>
               <a:ext uri="{91240B29-F687-4f45-9708-019B960494DF}">
-                <a14:hiddenLine xmlns:a14="http://schemas.microsoft.com/office/drawing/2010/main" xmlns="" w="9525">
+                <a14:hiddenLine xmlns="" xmlns:a14="http://schemas.microsoft.com/office/drawing/2010/main" w="9525">
                   <a:solidFill>
                     <a:srgbClr val="000000"/>
                   </a:solidFill>
@@ -8775,7 +9016,7 @@
             </a:ln>
             <a:extLst>
               <a:ext uri="{91240B29-F687-4f45-9708-019B960494DF}">
-                <a14:hiddenLine xmlns:a14="http://schemas.microsoft.com/office/drawing/2010/main" xmlns="" w="9525">
+                <a14:hiddenLine xmlns="" xmlns:a14="http://schemas.microsoft.com/office/drawing/2010/main" w="9525">
                   <a:solidFill>
                     <a:srgbClr val="000000"/>
                   </a:solidFill>
@@ -8865,7 +9106,7 @@
             </a:ln>
             <a:extLst>
               <a:ext uri="{91240B29-F687-4f45-9708-019B960494DF}">
-                <a14:hiddenLine xmlns:a14="http://schemas.microsoft.com/office/drawing/2010/main" xmlns="" w="9525">
+                <a14:hiddenLine xmlns="" xmlns:a14="http://schemas.microsoft.com/office/drawing/2010/main" w="9525">
                   <a:solidFill>
                     <a:srgbClr val="000000"/>
                   </a:solidFill>
@@ -8933,7 +9174,7 @@
             </a:ln>
             <a:extLst>
               <a:ext uri="{91240B29-F687-4f45-9708-019B960494DF}">
-                <a14:hiddenLine xmlns:a14="http://schemas.microsoft.com/office/drawing/2010/main" xmlns="" w="9525">
+                <a14:hiddenLine xmlns="" xmlns:a14="http://schemas.microsoft.com/office/drawing/2010/main" w="9525">
                   <a:solidFill>
                     <a:srgbClr val="000000"/>
                   </a:solidFill>
@@ -9023,7 +9264,7 @@
             </a:ln>
             <a:extLst>
               <a:ext uri="{91240B29-F687-4f45-9708-019B960494DF}">
-                <a14:hiddenLine xmlns:a14="http://schemas.microsoft.com/office/drawing/2010/main" xmlns="" w="9525">
+                <a14:hiddenLine xmlns="" xmlns:a14="http://schemas.microsoft.com/office/drawing/2010/main" w="9525">
                   <a:solidFill>
                     <a:srgbClr val="000000"/>
                   </a:solidFill>
@@ -9057,7 +9298,7 @@
             </a:ln>
             <a:extLst>
               <a:ext uri="{91240B29-F687-4f45-9708-019B960494DF}">
-                <a14:hiddenLine xmlns:a14="http://schemas.microsoft.com/office/drawing/2010/main" xmlns="" w="9525">
+                <a14:hiddenLine xmlns="" xmlns:a14="http://schemas.microsoft.com/office/drawing/2010/main" w="9525">
                   <a:solidFill>
                     <a:srgbClr val="000000"/>
                   </a:solidFill>
@@ -9147,7 +9388,7 @@
             </a:ln>
             <a:extLst>
               <a:ext uri="{91240B29-F687-4f45-9708-019B960494DF}">
-                <a14:hiddenLine xmlns:a14="http://schemas.microsoft.com/office/drawing/2010/main" xmlns="" w="9525">
+                <a14:hiddenLine xmlns="" xmlns:a14="http://schemas.microsoft.com/office/drawing/2010/main" w="9525">
                   <a:solidFill>
                     <a:srgbClr val="000000"/>
                   </a:solidFill>
@@ -9209,7 +9450,7 @@
             </a:ln>
             <a:extLst>
               <a:ext uri="{91240B29-F687-4f45-9708-019B960494DF}">
-                <a14:hiddenLine xmlns:a14="http://schemas.microsoft.com/office/drawing/2010/main" xmlns="" w="9525">
+                <a14:hiddenLine xmlns="" xmlns:a14="http://schemas.microsoft.com/office/drawing/2010/main" w="9525">
                   <a:solidFill>
                     <a:srgbClr val="000000"/>
                   </a:solidFill>
@@ -9271,7 +9512,7 @@
             </a:ln>
             <a:extLst>
               <a:ext uri="{91240B29-F687-4f45-9708-019B960494DF}">
-                <a14:hiddenLine xmlns:a14="http://schemas.microsoft.com/office/drawing/2010/main" xmlns="" w="9525">
+                <a14:hiddenLine xmlns="" xmlns:a14="http://schemas.microsoft.com/office/drawing/2010/main" w="9525">
                   <a:solidFill>
                     <a:srgbClr val="000000"/>
                   </a:solidFill>
@@ -9361,7 +9602,7 @@
             </a:ln>
             <a:extLst>
               <a:ext uri="{91240B29-F687-4f45-9708-019B960494DF}">
-                <a14:hiddenLine xmlns:a14="http://schemas.microsoft.com/office/drawing/2010/main" xmlns="" w="9525">
+                <a14:hiddenLine xmlns="" xmlns:a14="http://schemas.microsoft.com/office/drawing/2010/main" w="9525">
                   <a:solidFill>
                     <a:srgbClr val="000000"/>
                   </a:solidFill>
@@ -9429,7 +9670,7 @@
             </a:ln>
             <a:extLst>
               <a:ext uri="{91240B29-F687-4f45-9708-019B960494DF}">
-                <a14:hiddenLine xmlns:a14="http://schemas.microsoft.com/office/drawing/2010/main" xmlns="" w="9525">
+                <a14:hiddenLine xmlns="" xmlns:a14="http://schemas.microsoft.com/office/drawing/2010/main" w="9525">
                   <a:solidFill>
                     <a:srgbClr val="000000"/>
                   </a:solidFill>
@@ -9491,7 +9732,7 @@
             </a:ln>
             <a:extLst>
               <a:ext uri="{91240B29-F687-4f45-9708-019B960494DF}">
-                <a14:hiddenLine xmlns:a14="http://schemas.microsoft.com/office/drawing/2010/main" xmlns="" w="9525">
+                <a14:hiddenLine xmlns="" xmlns:a14="http://schemas.microsoft.com/office/drawing/2010/main" w="9525">
                   <a:solidFill>
                     <a:srgbClr val="000000"/>
                   </a:solidFill>
@@ -9581,7 +9822,7 @@
             </a:ln>
             <a:extLst>
               <a:ext uri="{91240B29-F687-4f45-9708-019B960494DF}">
-                <a14:hiddenLine xmlns:a14="http://schemas.microsoft.com/office/drawing/2010/main" xmlns="" w="9525">
+                <a14:hiddenLine xmlns="" xmlns:a14="http://schemas.microsoft.com/office/drawing/2010/main" w="9525">
                   <a:solidFill>
                     <a:srgbClr val="000000"/>
                   </a:solidFill>
@@ -9643,7 +9884,7 @@
             </a:ln>
             <a:extLst>
               <a:ext uri="{91240B29-F687-4f45-9708-019B960494DF}">
-                <a14:hiddenLine xmlns:a14="http://schemas.microsoft.com/office/drawing/2010/main" xmlns="" w="9525">
+                <a14:hiddenLine xmlns="" xmlns:a14="http://schemas.microsoft.com/office/drawing/2010/main" w="9525">
                   <a:solidFill>
                     <a:srgbClr val="000000"/>
                   </a:solidFill>
@@ -9733,7 +9974,7 @@
             </a:ln>
             <a:extLst>
               <a:ext uri="{91240B29-F687-4f45-9708-019B960494DF}">
-                <a14:hiddenLine xmlns:a14="http://schemas.microsoft.com/office/drawing/2010/main" xmlns="" w="9525">
+                <a14:hiddenLine xmlns="" xmlns:a14="http://schemas.microsoft.com/office/drawing/2010/main" w="9525">
                   <a:solidFill>
                     <a:srgbClr val="000000"/>
                   </a:solidFill>
@@ -9795,7 +10036,7 @@
             </a:ln>
             <a:extLst>
               <a:ext uri="{91240B29-F687-4f45-9708-019B960494DF}">
-                <a14:hiddenLine xmlns:a14="http://schemas.microsoft.com/office/drawing/2010/main" xmlns="" w="9525">
+                <a14:hiddenLine xmlns="" xmlns:a14="http://schemas.microsoft.com/office/drawing/2010/main" w="9525">
                   <a:solidFill>
                     <a:srgbClr val="000000"/>
                   </a:solidFill>
@@ -9885,7 +10126,7 @@
             </a:ln>
             <a:extLst>
               <a:ext uri="{91240B29-F687-4f45-9708-019B960494DF}">
-                <a14:hiddenLine xmlns:a14="http://schemas.microsoft.com/office/drawing/2010/main" xmlns="" w="9525">
+                <a14:hiddenLine xmlns="" xmlns:a14="http://schemas.microsoft.com/office/drawing/2010/main" w="9525">
                   <a:solidFill>
                     <a:srgbClr val="000000"/>
                   </a:solidFill>
@@ -9919,7 +10160,7 @@
             </a:ln>
             <a:extLst>
               <a:ext uri="{91240B29-F687-4f45-9708-019B960494DF}">
-                <a14:hiddenLine xmlns:a14="http://schemas.microsoft.com/office/drawing/2010/main" xmlns="" w="9525">
+                <a14:hiddenLine xmlns="" xmlns:a14="http://schemas.microsoft.com/office/drawing/2010/main" w="9525">
                   <a:solidFill>
                     <a:srgbClr val="000000"/>
                   </a:solidFill>
@@ -9984,7 +10225,7 @@
             </a:ln>
             <a:extLst>
               <a:ext uri="{91240B29-F687-4f45-9708-019B960494DF}">
-                <a14:hiddenLine xmlns:a14="http://schemas.microsoft.com/office/drawing/2010/main" xmlns="" w="9525">
+                <a14:hiddenLine xmlns="" xmlns:a14="http://schemas.microsoft.com/office/drawing/2010/main" w="9525">
                   <a:solidFill>
                     <a:srgbClr val="000000"/>
                   </a:solidFill>
@@ -10074,7 +10315,7 @@
             </a:ln>
             <a:extLst>
               <a:ext uri="{91240B29-F687-4f45-9708-019B960494DF}">
-                <a14:hiddenLine xmlns:a14="http://schemas.microsoft.com/office/drawing/2010/main" xmlns="" w="9525">
+                <a14:hiddenLine xmlns="" xmlns:a14="http://schemas.microsoft.com/office/drawing/2010/main" w="9525">
                   <a:solidFill>
                     <a:srgbClr val="000000"/>
                   </a:solidFill>
@@ -10136,7 +10377,7 @@
             </a:ln>
             <a:extLst>
               <a:ext uri="{91240B29-F687-4f45-9708-019B960494DF}">
-                <a14:hiddenLine xmlns:a14="http://schemas.microsoft.com/office/drawing/2010/main" xmlns="" w="9525">
+                <a14:hiddenLine xmlns="" xmlns:a14="http://schemas.microsoft.com/office/drawing/2010/main" w="9525">
                   <a:solidFill>
                     <a:srgbClr val="000000"/>
                   </a:solidFill>
@@ -10226,7 +10467,7 @@
             </a:ln>
             <a:extLst>
               <a:ext uri="{91240B29-F687-4f45-9708-019B960494DF}">
-                <a14:hiddenLine xmlns:a14="http://schemas.microsoft.com/office/drawing/2010/main" xmlns="" w="9525">
+                <a14:hiddenLine xmlns="" xmlns:a14="http://schemas.microsoft.com/office/drawing/2010/main" w="9525">
                   <a:solidFill>
                     <a:srgbClr val="000000"/>
                   </a:solidFill>
@@ -10316,7 +10557,7 @@
             </a:ln>
             <a:extLst>
               <a:ext uri="{91240B29-F687-4f45-9708-019B960494DF}">
-                <a14:hiddenLine xmlns:a14="http://schemas.microsoft.com/office/drawing/2010/main" xmlns="" w="9525">
+                <a14:hiddenLine xmlns="" xmlns:a14="http://schemas.microsoft.com/office/drawing/2010/main" w="9525">
                   <a:solidFill>
                     <a:srgbClr val="000000"/>
                   </a:solidFill>
@@ -10381,7 +10622,7 @@
             </a:ln>
             <a:extLst>
               <a:ext uri="{91240B29-F687-4f45-9708-019B960494DF}">
-                <a14:hiddenLine xmlns:a14="http://schemas.microsoft.com/office/drawing/2010/main" xmlns="" w="9525">
+                <a14:hiddenLine xmlns="" xmlns:a14="http://schemas.microsoft.com/office/drawing/2010/main" w="9525">
                   <a:solidFill>
                     <a:srgbClr val="000000"/>
                   </a:solidFill>
@@ -10443,7 +10684,7 @@
             </a:ln>
             <a:extLst>
               <a:ext uri="{91240B29-F687-4f45-9708-019B960494DF}">
-                <a14:hiddenLine xmlns:a14="http://schemas.microsoft.com/office/drawing/2010/main" xmlns="" w="9525">
+                <a14:hiddenLine xmlns="" xmlns:a14="http://schemas.microsoft.com/office/drawing/2010/main" w="9525">
                   <a:solidFill>
                     <a:srgbClr val="000000"/>
                   </a:solidFill>
@@ -10533,7 +10774,7 @@
             </a:ln>
             <a:extLst>
               <a:ext uri="{91240B29-F687-4f45-9708-019B960494DF}">
-                <a14:hiddenLine xmlns:a14="http://schemas.microsoft.com/office/drawing/2010/main" xmlns="" w="9525">
+                <a14:hiddenLine xmlns="" xmlns:a14="http://schemas.microsoft.com/office/drawing/2010/main" w="9525">
                   <a:solidFill>
                     <a:srgbClr val="000000"/>
                   </a:solidFill>
@@ -10623,7 +10864,7 @@
             </a:ln>
             <a:extLst>
               <a:ext uri="{91240B29-F687-4f45-9708-019B960494DF}">
-                <a14:hiddenLine xmlns:a14="http://schemas.microsoft.com/office/drawing/2010/main" xmlns="" w="9525">
+                <a14:hiddenLine xmlns="" xmlns:a14="http://schemas.microsoft.com/office/drawing/2010/main" w="9525">
                   <a:solidFill>
                     <a:srgbClr val="000000"/>
                   </a:solidFill>
@@ -10685,7 +10926,7 @@
             </a:ln>
             <a:extLst>
               <a:ext uri="{91240B29-F687-4f45-9708-019B960494DF}">
-                <a14:hiddenLine xmlns:a14="http://schemas.microsoft.com/office/drawing/2010/main" xmlns="" w="9525">
+                <a14:hiddenLine xmlns="" xmlns:a14="http://schemas.microsoft.com/office/drawing/2010/main" w="9525">
                   <a:solidFill>
                     <a:srgbClr val="000000"/>
                   </a:solidFill>
@@ -10805,7 +11046,7 @@
             </a:ln>
             <a:extLst>
               <a:ext uri="{91240B29-F687-4f45-9708-019B960494DF}">
-                <a14:hiddenLine xmlns:a14="http://schemas.microsoft.com/office/drawing/2010/main" xmlns="" w="9525">
+                <a14:hiddenLine xmlns="" xmlns:a14="http://schemas.microsoft.com/office/drawing/2010/main" w="9525">
                   <a:solidFill>
                     <a:srgbClr val="000000"/>
                   </a:solidFill>
@@ -10873,7 +11114,7 @@
             </a:ln>
             <a:extLst>
               <a:ext uri="{91240B29-F687-4f45-9708-019B960494DF}">
-                <a14:hiddenLine xmlns:a14="http://schemas.microsoft.com/office/drawing/2010/main" xmlns="" w="9525">
+                <a14:hiddenLine xmlns="" xmlns:a14="http://schemas.microsoft.com/office/drawing/2010/main" w="9525">
                   <a:solidFill>
                     <a:srgbClr val="000000"/>
                   </a:solidFill>
@@ -10963,7 +11204,7 @@
             </a:ln>
             <a:extLst>
               <a:ext uri="{91240B29-F687-4f45-9708-019B960494DF}">
-                <a14:hiddenLine xmlns:a14="http://schemas.microsoft.com/office/drawing/2010/main" xmlns="" w="9525">
+                <a14:hiddenLine xmlns="" xmlns:a14="http://schemas.microsoft.com/office/drawing/2010/main" w="9525">
                   <a:solidFill>
                     <a:srgbClr val="000000"/>
                   </a:solidFill>
@@ -15770,7 +16011,7 @@
           <a:noFill/>
           <a:extLst>
             <a:ext uri="{909E8E84-426E-40dd-AFC4-6F175D3DCCD1}">
-              <a14:hiddenFill xmlns:a14="http://schemas.microsoft.com/office/drawing/2010/main" xmlns="">
+              <a14:hiddenFill xmlns="" xmlns:a14="http://schemas.microsoft.com/office/drawing/2010/main">
                 <a:solidFill>
                   <a:srgbClr val="FFFFFF"/>
                 </a:solidFill>
@@ -15844,7 +16085,7 @@
               </a:ln>
               <a:extLst>
                 <a:ext uri="{91240B29-F687-4f45-9708-019B960494DF}">
-                  <a14:hiddenLine xmlns:a14="http://schemas.microsoft.com/office/drawing/2010/main" xmlns="" w="9525">
+                  <a14:hiddenLine xmlns="" xmlns:a14="http://schemas.microsoft.com/office/drawing/2010/main" w="9525">
                     <a:solidFill>
                       <a:srgbClr val="000000"/>
                     </a:solidFill>
@@ -15934,7 +16175,7 @@
               </a:ln>
               <a:extLst>
                 <a:ext uri="{91240B29-F687-4f45-9708-019B960494DF}">
-                  <a14:hiddenLine xmlns:a14="http://schemas.microsoft.com/office/drawing/2010/main" xmlns="" w="9525">
+                  <a14:hiddenLine xmlns="" xmlns:a14="http://schemas.microsoft.com/office/drawing/2010/main" w="9525">
                     <a:solidFill>
                       <a:srgbClr val="000000"/>
                     </a:solidFill>
@@ -16024,7 +16265,7 @@
               </a:ln>
               <a:extLst>
                 <a:ext uri="{91240B29-F687-4f45-9708-019B960494DF}">
-                  <a14:hiddenLine xmlns:a14="http://schemas.microsoft.com/office/drawing/2010/main" xmlns="" w="9525">
+                  <a14:hiddenLine xmlns="" xmlns:a14="http://schemas.microsoft.com/office/drawing/2010/main" w="9525">
                     <a:solidFill>
                       <a:srgbClr val="000000"/>
                     </a:solidFill>
@@ -16086,7 +16327,7 @@
               </a:ln>
               <a:extLst>
                 <a:ext uri="{91240B29-F687-4f45-9708-019B960494DF}">
-                  <a14:hiddenLine xmlns:a14="http://schemas.microsoft.com/office/drawing/2010/main" xmlns="" w="9525">
+                  <a14:hiddenLine xmlns="" xmlns:a14="http://schemas.microsoft.com/office/drawing/2010/main" w="9525">
                     <a:solidFill>
                       <a:srgbClr val="000000"/>
                     </a:solidFill>
@@ -16176,7 +16417,7 @@
               </a:ln>
               <a:extLst>
                 <a:ext uri="{91240B29-F687-4f45-9708-019B960494DF}">
-                  <a14:hiddenLine xmlns:a14="http://schemas.microsoft.com/office/drawing/2010/main" xmlns="" w="9525">
+                  <a14:hiddenLine xmlns="" xmlns:a14="http://schemas.microsoft.com/office/drawing/2010/main" w="9525">
                     <a:solidFill>
                       <a:srgbClr val="000000"/>
                     </a:solidFill>
@@ -16238,7 +16479,7 @@
               </a:ln>
               <a:extLst>
                 <a:ext uri="{91240B29-F687-4f45-9708-019B960494DF}">
-                  <a14:hiddenLine xmlns:a14="http://schemas.microsoft.com/office/drawing/2010/main" xmlns="" w="9525">
+                  <a14:hiddenLine xmlns="" xmlns:a14="http://schemas.microsoft.com/office/drawing/2010/main" w="9525">
                     <a:solidFill>
                       <a:srgbClr val="000000"/>
                     </a:solidFill>
@@ -16300,7 +16541,7 @@
               </a:ln>
               <a:extLst>
                 <a:ext uri="{91240B29-F687-4f45-9708-019B960494DF}">
-                  <a14:hiddenLine xmlns:a14="http://schemas.microsoft.com/office/drawing/2010/main" xmlns="" w="9525">
+                  <a14:hiddenLine xmlns="" xmlns:a14="http://schemas.microsoft.com/office/drawing/2010/main" w="9525">
                     <a:solidFill>
                       <a:srgbClr val="000000"/>
                     </a:solidFill>
@@ -16390,7 +16631,7 @@
               </a:ln>
               <a:extLst>
                 <a:ext uri="{91240B29-F687-4f45-9708-019B960494DF}">
-                  <a14:hiddenLine xmlns:a14="http://schemas.microsoft.com/office/drawing/2010/main" xmlns="" w="9525">
+                  <a14:hiddenLine xmlns="" xmlns:a14="http://schemas.microsoft.com/office/drawing/2010/main" w="9525">
                     <a:solidFill>
                       <a:srgbClr val="000000"/>
                     </a:solidFill>
@@ -16480,7 +16721,7 @@
               </a:ln>
               <a:extLst>
                 <a:ext uri="{91240B29-F687-4f45-9708-019B960494DF}">
-                  <a14:hiddenLine xmlns:a14="http://schemas.microsoft.com/office/drawing/2010/main" xmlns="" w="9525">
+                  <a14:hiddenLine xmlns="" xmlns:a14="http://schemas.microsoft.com/office/drawing/2010/main" w="9525">
                     <a:solidFill>
                       <a:srgbClr val="000000"/>
                     </a:solidFill>
@@ -16542,7 +16783,7 @@
               </a:ln>
               <a:extLst>
                 <a:ext uri="{91240B29-F687-4f45-9708-019B960494DF}">
-                  <a14:hiddenLine xmlns:a14="http://schemas.microsoft.com/office/drawing/2010/main" xmlns="" w="9525">
+                  <a14:hiddenLine xmlns="" xmlns:a14="http://schemas.microsoft.com/office/drawing/2010/main" w="9525">
                     <a:solidFill>
                       <a:srgbClr val="000000"/>
                     </a:solidFill>
@@ -16652,7 +16893,7 @@
               </a:ln>
               <a:extLst>
                 <a:ext uri="{91240B29-F687-4f45-9708-019B960494DF}">
-                  <a14:hiddenLine xmlns:a14="http://schemas.microsoft.com/office/drawing/2010/main" xmlns="" w="9525">
+                  <a14:hiddenLine xmlns="" xmlns:a14="http://schemas.microsoft.com/office/drawing/2010/main" w="9525">
                     <a:solidFill>
                       <a:srgbClr val="000000"/>
                     </a:solidFill>
@@ -16736,7 +16977,7 @@
               </a:ln>
               <a:extLst>
                 <a:ext uri="{91240B29-F687-4f45-9708-019B960494DF}">
-                  <a14:hiddenLine xmlns:a14="http://schemas.microsoft.com/office/drawing/2010/main" xmlns="" w="9525">
+                  <a14:hiddenLine xmlns="" xmlns:a14="http://schemas.microsoft.com/office/drawing/2010/main" w="9525">
                     <a:solidFill>
                       <a:srgbClr val="000000"/>
                     </a:solidFill>
@@ -16798,7 +17039,7 @@
               </a:ln>
               <a:extLst>
                 <a:ext uri="{91240B29-F687-4f45-9708-019B960494DF}">
-                  <a14:hiddenLine xmlns:a14="http://schemas.microsoft.com/office/drawing/2010/main" xmlns="" w="9525">
+                  <a14:hiddenLine xmlns="" xmlns:a14="http://schemas.microsoft.com/office/drawing/2010/main" w="9525">
                     <a:solidFill>
                       <a:srgbClr val="000000"/>
                     </a:solidFill>
@@ -16860,7 +17101,7 @@
               </a:ln>
               <a:extLst>
                 <a:ext uri="{91240B29-F687-4f45-9708-019B960494DF}">
-                  <a14:hiddenLine xmlns:a14="http://schemas.microsoft.com/office/drawing/2010/main" xmlns="" w="9525">
+                  <a14:hiddenLine xmlns="" xmlns:a14="http://schemas.microsoft.com/office/drawing/2010/main" w="9525">
                     <a:solidFill>
                       <a:srgbClr val="000000"/>
                     </a:solidFill>
@@ -16950,7 +17191,7 @@
               </a:ln>
               <a:extLst>
                 <a:ext uri="{91240B29-F687-4f45-9708-019B960494DF}">
-                  <a14:hiddenLine xmlns:a14="http://schemas.microsoft.com/office/drawing/2010/main" xmlns="" w="9525">
+                  <a14:hiddenLine xmlns="" xmlns:a14="http://schemas.microsoft.com/office/drawing/2010/main" w="9525">
                     <a:solidFill>
                       <a:srgbClr val="000000"/>
                     </a:solidFill>
@@ -16984,7 +17225,7 @@
               </a:ln>
               <a:extLst>
                 <a:ext uri="{91240B29-F687-4f45-9708-019B960494DF}">
-                  <a14:hiddenLine xmlns:a14="http://schemas.microsoft.com/office/drawing/2010/main" xmlns="" w="9525">
+                  <a14:hiddenLine xmlns="" xmlns:a14="http://schemas.microsoft.com/office/drawing/2010/main" w="9525">
                     <a:solidFill>
                       <a:srgbClr val="000000"/>
                     </a:solidFill>
@@ -17049,7 +17290,7 @@
               </a:ln>
               <a:extLst>
                 <a:ext uri="{91240B29-F687-4f45-9708-019B960494DF}">
-                  <a14:hiddenLine xmlns:a14="http://schemas.microsoft.com/office/drawing/2010/main" xmlns="" w="9525">
+                  <a14:hiddenLine xmlns="" xmlns:a14="http://schemas.microsoft.com/office/drawing/2010/main" w="9525">
                     <a:solidFill>
                       <a:srgbClr val="000000"/>
                     </a:solidFill>
@@ -17139,7 +17380,7 @@
               </a:ln>
               <a:extLst>
                 <a:ext uri="{91240B29-F687-4f45-9708-019B960494DF}">
-                  <a14:hiddenLine xmlns:a14="http://schemas.microsoft.com/office/drawing/2010/main" xmlns="" w="9525">
+                  <a14:hiddenLine xmlns="" xmlns:a14="http://schemas.microsoft.com/office/drawing/2010/main" w="9525">
                     <a:solidFill>
                       <a:srgbClr val="000000"/>
                     </a:solidFill>
@@ -17201,7 +17442,7 @@
               </a:ln>
               <a:extLst>
                 <a:ext uri="{91240B29-F687-4f45-9708-019B960494DF}">
-                  <a14:hiddenLine xmlns:a14="http://schemas.microsoft.com/office/drawing/2010/main" xmlns="" w="9525">
+                  <a14:hiddenLine xmlns="" xmlns:a14="http://schemas.microsoft.com/office/drawing/2010/main" w="9525">
                     <a:solidFill>
                       <a:srgbClr val="000000"/>
                     </a:solidFill>
@@ -17291,7 +17532,7 @@
               </a:ln>
               <a:extLst>
                 <a:ext uri="{91240B29-F687-4f45-9708-019B960494DF}">
-                  <a14:hiddenLine xmlns:a14="http://schemas.microsoft.com/office/drawing/2010/main" xmlns="" w="9525">
+                  <a14:hiddenLine xmlns="" xmlns:a14="http://schemas.microsoft.com/office/drawing/2010/main" w="9525">
                     <a:solidFill>
                       <a:srgbClr val="000000"/>
                     </a:solidFill>
@@ -17356,7 +17597,7 @@
               </a:ln>
               <a:extLst>
                 <a:ext uri="{91240B29-F687-4f45-9708-019B960494DF}">
-                  <a14:hiddenLine xmlns:a14="http://schemas.microsoft.com/office/drawing/2010/main" xmlns="" w="9525">
+                  <a14:hiddenLine xmlns="" xmlns:a14="http://schemas.microsoft.com/office/drawing/2010/main" w="9525">
                     <a:solidFill>
                       <a:srgbClr val="000000"/>
                     </a:solidFill>
@@ -17418,7 +17659,7 @@
               </a:ln>
               <a:extLst>
                 <a:ext uri="{91240B29-F687-4f45-9708-019B960494DF}">
-                  <a14:hiddenLine xmlns:a14="http://schemas.microsoft.com/office/drawing/2010/main" xmlns="" w="9525">
+                  <a14:hiddenLine xmlns="" xmlns:a14="http://schemas.microsoft.com/office/drawing/2010/main" w="9525">
                     <a:solidFill>
                       <a:srgbClr val="000000"/>
                     </a:solidFill>
@@ -17508,7 +17749,7 @@
               </a:ln>
               <a:extLst>
                 <a:ext uri="{91240B29-F687-4f45-9708-019B960494DF}">
-                  <a14:hiddenLine xmlns:a14="http://schemas.microsoft.com/office/drawing/2010/main" xmlns="" w="9525">
+                  <a14:hiddenLine xmlns="" xmlns:a14="http://schemas.microsoft.com/office/drawing/2010/main" w="9525">
                     <a:solidFill>
                       <a:srgbClr val="000000"/>
                     </a:solidFill>
@@ -17598,7 +17839,7 @@
               </a:ln>
               <a:extLst>
                 <a:ext uri="{91240B29-F687-4f45-9708-019B960494DF}">
-                  <a14:hiddenLine xmlns:a14="http://schemas.microsoft.com/office/drawing/2010/main" xmlns="" w="9525">
+                  <a14:hiddenLine xmlns="" xmlns:a14="http://schemas.microsoft.com/office/drawing/2010/main" w="9525">
                     <a:solidFill>
                       <a:srgbClr val="000000"/>
                     </a:solidFill>
@@ -17663,7 +17904,7 @@
               </a:ln>
               <a:extLst>
                 <a:ext uri="{91240B29-F687-4f45-9708-019B960494DF}">
-                  <a14:hiddenLine xmlns:a14="http://schemas.microsoft.com/office/drawing/2010/main" xmlns="" w="9525">
+                  <a14:hiddenLine xmlns="" xmlns:a14="http://schemas.microsoft.com/office/drawing/2010/main" w="9525">
                     <a:solidFill>
                       <a:srgbClr val="000000"/>
                     </a:solidFill>
@@ -17783,7 +18024,7 @@
               </a:ln>
               <a:extLst>
                 <a:ext uri="{91240B29-F687-4f45-9708-019B960494DF}">
-                  <a14:hiddenLine xmlns:a14="http://schemas.microsoft.com/office/drawing/2010/main" xmlns="" w="9525">
+                  <a14:hiddenLine xmlns="" xmlns:a14="http://schemas.microsoft.com/office/drawing/2010/main" w="9525">
                     <a:solidFill>
                       <a:srgbClr val="000000"/>
                     </a:solidFill>
@@ -17881,7 +18122,7 @@
               </a:ln>
               <a:extLst>
                 <a:ext uri="{91240B29-F687-4f45-9708-019B960494DF}">
-                  <a14:hiddenLine xmlns:a14="http://schemas.microsoft.com/office/drawing/2010/main" xmlns="" w="9525">
+                  <a14:hiddenLine xmlns="" xmlns:a14="http://schemas.microsoft.com/office/drawing/2010/main" w="9525">
                     <a:solidFill>
                       <a:srgbClr val="000000"/>
                     </a:solidFill>
@@ -17996,7 +18237,7 @@
               </a:ln>
               <a:extLst>
                 <a:ext uri="{91240B29-F687-4f45-9708-019B960494DF}">
-                  <a14:hiddenLine xmlns:a14="http://schemas.microsoft.com/office/drawing/2010/main" xmlns="" w="9525">
+                  <a14:hiddenLine xmlns="" xmlns:a14="http://schemas.microsoft.com/office/drawing/2010/main" w="9525">
                     <a:solidFill>
                       <a:srgbClr val="000000"/>
                     </a:solidFill>
@@ -18086,7 +18327,7 @@
               </a:ln>
               <a:extLst>
                 <a:ext uri="{91240B29-F687-4f45-9708-019B960494DF}">
-                  <a14:hiddenLine xmlns:a14="http://schemas.microsoft.com/office/drawing/2010/main" xmlns="" w="9525">
+                  <a14:hiddenLine xmlns="" xmlns:a14="http://schemas.microsoft.com/office/drawing/2010/main" w="9525">
                     <a:solidFill>
                       <a:srgbClr val="000000"/>
                     </a:solidFill>
@@ -18151,7 +18392,7 @@
               </a:ln>
               <a:extLst>
                 <a:ext uri="{91240B29-F687-4f45-9708-019B960494DF}">
-                  <a14:hiddenLine xmlns:a14="http://schemas.microsoft.com/office/drawing/2010/main" xmlns="" w="9525">
+                  <a14:hiddenLine xmlns="" xmlns:a14="http://schemas.microsoft.com/office/drawing/2010/main" w="9525">
                     <a:solidFill>
                       <a:srgbClr val="000000"/>
                     </a:solidFill>
@@ -18241,7 +18482,7 @@
               </a:ln>
               <a:extLst>
                 <a:ext uri="{91240B29-F687-4f45-9708-019B960494DF}">
-                  <a14:hiddenLine xmlns:a14="http://schemas.microsoft.com/office/drawing/2010/main" xmlns="" w="9525">
+                  <a14:hiddenLine xmlns="" xmlns:a14="http://schemas.microsoft.com/office/drawing/2010/main" w="9525">
                     <a:solidFill>
                       <a:srgbClr val="000000"/>
                     </a:solidFill>
@@ -18309,7 +18550,7 @@
               </a:ln>
               <a:extLst>
                 <a:ext uri="{91240B29-F687-4f45-9708-019B960494DF}">
-                  <a14:hiddenLine xmlns:a14="http://schemas.microsoft.com/office/drawing/2010/main" xmlns="" w="9525">
+                  <a14:hiddenLine xmlns="" xmlns:a14="http://schemas.microsoft.com/office/drawing/2010/main" w="9525">
                     <a:solidFill>
                       <a:srgbClr val="000000"/>
                     </a:solidFill>
@@ -18399,7 +18640,7 @@
               </a:ln>
               <a:extLst>
                 <a:ext uri="{91240B29-F687-4f45-9708-019B960494DF}">
-                  <a14:hiddenLine xmlns:a14="http://schemas.microsoft.com/office/drawing/2010/main" xmlns="" w="9525">
+                  <a14:hiddenLine xmlns="" xmlns:a14="http://schemas.microsoft.com/office/drawing/2010/main" w="9525">
                     <a:solidFill>
                       <a:srgbClr val="000000"/>
                     </a:solidFill>
@@ -18467,7 +18708,7 @@
               </a:ln>
               <a:extLst>
                 <a:ext uri="{91240B29-F687-4f45-9708-019B960494DF}">
-                  <a14:hiddenLine xmlns:a14="http://schemas.microsoft.com/office/drawing/2010/main" xmlns="" w="9525">
+                  <a14:hiddenLine xmlns="" xmlns:a14="http://schemas.microsoft.com/office/drawing/2010/main" w="9525">
                     <a:solidFill>
                       <a:srgbClr val="000000"/>
                     </a:solidFill>
@@ -18557,7 +18798,7 @@
               </a:ln>
               <a:extLst>
                 <a:ext uri="{91240B29-F687-4f45-9708-019B960494DF}">
-                  <a14:hiddenLine xmlns:a14="http://schemas.microsoft.com/office/drawing/2010/main" xmlns="" w="9525">
+                  <a14:hiddenLine xmlns="" xmlns:a14="http://schemas.microsoft.com/office/drawing/2010/main" w="9525">
                     <a:solidFill>
                       <a:srgbClr val="000000"/>
                     </a:solidFill>
@@ -18591,7 +18832,7 @@
               </a:ln>
               <a:extLst>
                 <a:ext uri="{91240B29-F687-4f45-9708-019B960494DF}">
-                  <a14:hiddenLine xmlns:a14="http://schemas.microsoft.com/office/drawing/2010/main" xmlns="" w="9525">
+                  <a14:hiddenLine xmlns="" xmlns:a14="http://schemas.microsoft.com/office/drawing/2010/main" w="9525">
                     <a:solidFill>
                       <a:srgbClr val="000000"/>
                     </a:solidFill>
@@ -22628,6 +22869,153 @@
           <p:cNvPr id="2" name="Заголовок 1">
             <a:extLst>
               <a:ext uri="{FF2B5EF4-FFF2-40B4-BE49-F238E27FC236}">
+                <a16:creationId xmlns:a16="http://schemas.microsoft.com/office/drawing/2014/main" id="{49AEA690-B945-4F3F-2384-E3BDE6D277FD}"/>
+              </a:ext>
+            </a:extLst>
+          </p:cNvPr>
+          <p:cNvSpPr>
+            <a:spLocks noGrp="1"/>
+          </p:cNvSpPr>
+          <p:nvPr>
+            <p:ph type="title"/>
+          </p:nvPr>
+        </p:nvSpPr>
+        <p:spPr>
+          <a:xfrm>
+            <a:off x="655635" y="504218"/>
+            <a:ext cx="10877551" cy="1478570"/>
+          </a:xfrm>
+        </p:spPr>
+        <p:txBody>
+          <a:bodyPr/>
+          <a:lstStyle/>
+          <a:p>
+            <a:r>
+              <a:rPr lang="uk-UA" dirty="0" err="1"/>
+              <a:t>Автоматизуюча</a:t>
+            </a:r>
+            <a:r>
+              <a:rPr lang="uk-UA" dirty="0"/>
+              <a:t> </a:t>
+            </a:r>
+            <a:r>
+              <a:rPr lang="uk-UA" dirty="0" err="1"/>
+              <a:t>автозгенерована</a:t>
+            </a:r>
+            <a:r>
+              <a:rPr lang="uk-UA" dirty="0"/>
+              <a:t> документація</a:t>
+            </a:r>
+          </a:p>
+        </p:txBody>
+      </p:sp>
+      <p:sp>
+        <p:nvSpPr>
+          <p:cNvPr id="3" name="Місце для вмісту 2">
+            <a:extLst>
+              <a:ext uri="{FF2B5EF4-FFF2-40B4-BE49-F238E27FC236}">
+                <a16:creationId xmlns:a16="http://schemas.microsoft.com/office/drawing/2014/main" id="{A88A8D30-416E-7860-084F-1959B3D8042C}"/>
+              </a:ext>
+            </a:extLst>
+          </p:cNvPr>
+          <p:cNvSpPr>
+            <a:spLocks noGrp="1"/>
+          </p:cNvSpPr>
+          <p:nvPr>
+            <p:ph idx="1"/>
+          </p:nvPr>
+        </p:nvSpPr>
+        <p:spPr/>
+        <p:txBody>
+          <a:bodyPr/>
+          <a:lstStyle/>
+          <a:p>
+            <a:r>
+              <a:rPr lang="en-US" dirty="0"/>
+              <a:t>Swagger:  </a:t>
+            </a:r>
+            <a:r>
+              <a:rPr lang="uk-UA" dirty="0"/>
+              <a:t>127.0.0.1</a:t>
+            </a:r>
+            <a:r>
+              <a:rPr lang="en-US" dirty="0"/>
+              <a:t>:8000</a:t>
+            </a:r>
+            <a:r>
+              <a:rPr lang="uk-UA" dirty="0"/>
+              <a:t>/</a:t>
+            </a:r>
+            <a:r>
+              <a:rPr lang="en-US" dirty="0"/>
+              <a:t>docs</a:t>
+            </a:r>
+          </a:p>
+          <a:p>
+            <a:endParaRPr lang="en-US" dirty="0"/>
+          </a:p>
+          <a:p>
+            <a:r>
+              <a:rPr lang="en-US" dirty="0"/>
+              <a:t>Redoc:      </a:t>
+            </a:r>
+            <a:r>
+              <a:rPr lang="uk-UA" dirty="0"/>
+              <a:t>127.0.0.1</a:t>
+            </a:r>
+            <a:r>
+              <a:rPr lang="en-US" dirty="0"/>
+              <a:t>:8000 </a:t>
+            </a:r>
+            <a:r>
+              <a:rPr lang="uk-UA" dirty="0"/>
+              <a:t>/</a:t>
+            </a:r>
+            <a:r>
+              <a:rPr lang="en-US" dirty="0"/>
+              <a:t>docs</a:t>
+            </a:r>
+          </a:p>
+          <a:p>
+            <a:endParaRPr lang="uk-UA" dirty="0"/>
+          </a:p>
+        </p:txBody>
+      </p:sp>
+    </p:spTree>
+    <p:extLst>
+      <p:ext uri="{BB962C8B-B14F-4D97-AF65-F5344CB8AC3E}">
+        <p14:creationId xmlns:p14="http://schemas.microsoft.com/office/powerpoint/2010/main" val="4122149463"/>
+      </p:ext>
+    </p:extLst>
+  </p:cSld>
+  <p:clrMapOvr>
+    <a:masterClrMapping/>
+  </p:clrMapOvr>
+</p:sld>
+</file>
+
+<file path=ppt/slides/slide8.xml><?xml version="1.0" encoding="utf-8"?>
+<p:sld xmlns:a="http://schemas.openxmlformats.org/drawingml/2006/main" xmlns:r="http://schemas.openxmlformats.org/officeDocument/2006/relationships" xmlns:p="http://schemas.openxmlformats.org/presentationml/2006/main">
+  <p:cSld>
+    <p:spTree>
+      <p:nvGrpSpPr>
+        <p:cNvPr id="1" name=""/>
+        <p:cNvGrpSpPr/>
+        <p:nvPr/>
+      </p:nvGrpSpPr>
+      <p:grpSpPr>
+        <a:xfrm>
+          <a:off x="0" y="0"/>
+          <a:ext cx="0" cy="0"/>
+          <a:chOff x="0" y="0"/>
+          <a:chExt cx="0" cy="0"/>
+        </a:xfrm>
+      </p:grpSpPr>
+      <p:sp>
+        <p:nvSpPr>
+          <p:cNvPr id="2" name="Заголовок 1">
+            <a:extLst>
+              <a:ext uri="{FF2B5EF4-FFF2-40B4-BE49-F238E27FC236}">
                 <a16:creationId xmlns:a16="http://schemas.microsoft.com/office/drawing/2014/main" id="{6E2C55B2-0BDA-C2D2-7C63-12E969430050}"/>
               </a:ext>
             </a:extLst>
@@ -22669,7 +23057,9 @@
         </p:nvSpPr>
         <p:spPr/>
         <p:txBody>
-          <a:bodyPr/>
+          <a:bodyPr>
+            <a:normAutofit fontScale="85000" lnSpcReduction="10000"/>
+          </a:bodyPr>
           <a:lstStyle/>
           <a:p>
             <a:r>
@@ -22677,6 +23067,93 @@
                 <a:hlinkClick r:id="rId2"/>
               </a:rPr>
               <a:t>OAuth2 with Password (and hashing), Bearer with JWT tokens - FastAPI (tiangolo.com)</a:t>
+            </a:r>
+            <a:endParaRPr lang="en-US" dirty="0"/>
+          </a:p>
+          <a:p>
+            <a:r>
+              <a:rPr lang="ru-RU" dirty="0" err="1">
+                <a:hlinkClick r:id="rId3"/>
+              </a:rPr>
+              <a:t>Workshop</a:t>
+            </a:r>
+            <a:r>
+              <a:rPr lang="ru-RU" dirty="0">
+                <a:hlinkClick r:id="rId3"/>
+              </a:rPr>
+              <a:t>: пишем первый проект на FastAPI (youtube.com)</a:t>
+            </a:r>
+            <a:endParaRPr lang="en-US" dirty="0"/>
+          </a:p>
+          <a:p>
+            <a:r>
+              <a:rPr lang="ru-RU" dirty="0" err="1">
+                <a:hlinkClick r:id="rId4"/>
+              </a:rPr>
+              <a:t>Workshop</a:t>
+            </a:r>
+            <a:r>
+              <a:rPr lang="ru-RU" dirty="0">
+                <a:hlinkClick r:id="rId4"/>
+              </a:rPr>
+              <a:t> по FastAPI: авторизация, работа с файлами, фоновые задачи (youtube.com)</a:t>
+            </a:r>
+            <a:endParaRPr lang="en-US" dirty="0"/>
+          </a:p>
+          <a:p>
+            <a:r>
+              <a:rPr lang="ru-RU" dirty="0">
+                <a:hlinkClick r:id="rId5"/>
+              </a:rPr>
+              <a:t>Пет-проект на Python за 50 минут. Курс по FastAPI для начинающих [2024] (youtube.com)</a:t>
+            </a:r>
+            <a:endParaRPr lang="en-US" dirty="0"/>
+          </a:p>
+          <a:p>
+            <a:r>
+              <a:rPr lang="en-US" dirty="0">
+                <a:hlinkClick r:id="rId6"/>
+              </a:rPr>
+              <a:t>FastAPI - </a:t>
+            </a:r>
+            <a:r>
+              <a:rPr lang="uk-UA" dirty="0" err="1">
+                <a:hlinkClick r:id="rId6"/>
+              </a:rPr>
+              <a:t>Зачем</a:t>
+            </a:r>
+            <a:r>
+              <a:rPr lang="uk-UA" dirty="0">
+                <a:hlinkClick r:id="rId6"/>
+              </a:rPr>
+              <a:t> учить </a:t>
+            </a:r>
+            <a:r>
+              <a:rPr lang="en-US" dirty="0">
+                <a:hlinkClick r:id="rId6"/>
+              </a:rPr>
+              <a:t>FastAPI? #0 (youtube.com)</a:t>
+            </a:r>
+            <a:endParaRPr lang="en-US" dirty="0"/>
+          </a:p>
+          <a:p>
+            <a:r>
+              <a:rPr lang="en-US" dirty="0">
+                <a:hlinkClick r:id="rId7"/>
+              </a:rPr>
+              <a:t>The Twelve-Factor App (</a:t>
+            </a:r>
+            <a:r>
+              <a:rPr lang="uk-UA" dirty="0">
+                <a:hlinkClick r:id="rId7"/>
+              </a:rPr>
+              <a:t>Переклад українською) (12</a:t>
+            </a:r>
+            <a:r>
+              <a:rPr lang="en-US" dirty="0">
+                <a:hlinkClick r:id="rId7"/>
+              </a:rPr>
+              <a:t>factor.net)</a:t>
             </a:r>
             <a:endParaRPr lang="uk-UA" dirty="0"/>
           </a:p>

--- a/FastAPI.pptx
+++ b/FastAPI.pptx
@@ -5,7 +5,7 @@
     <p:sldMasterId id="2147483696" r:id="rId1"/>
   </p:sldMasterIdLst>
   <p:notesMasterIdLst>
-    <p:notesMasterId r:id="rId10"/>
+    <p:notesMasterId r:id="rId11"/>
   </p:notesMasterIdLst>
   <p:sldIdLst>
     <p:sldId id="256" r:id="rId2"/>
@@ -15,7 +15,8 @@
     <p:sldId id="262" r:id="rId6"/>
     <p:sldId id="263" r:id="rId7"/>
     <p:sldId id="264" r:id="rId8"/>
-    <p:sldId id="261" r:id="rId9"/>
+    <p:sldId id="265" r:id="rId9"/>
+    <p:sldId id="261" r:id="rId10"/>
   </p:sldIdLst>
   <p:sldSz cx="12192000" cy="6858000"/>
   <p:notesSz cx="6858000" cy="9144000"/>
@@ -125,7 +126,7 @@
 <file path=ppt/revisionInfo.xml><?xml version="1.0" encoding="utf-8"?>
 <p1510:revInfo xmlns:a="http://schemas.openxmlformats.org/drawingml/2006/main" xmlns:r="http://schemas.openxmlformats.org/officeDocument/2006/relationships" xmlns:p1510="http://schemas.microsoft.com/office/powerpoint/2015/10/main">
   <p1510:revLst>
-    <p1510:client id="{07CAFD1D-20C5-4BCD-B16D-DC0680A38C3B}" v="136" dt="2024-09-16T13:47:38.832"/>
+    <p1510:client id="{07CAFD1D-20C5-4BCD-B16D-DC0680A38C3B}" v="140" dt="2024-09-16T14:19:40.344"/>
   </p1510:revLst>
 </p1510:revInfo>
 </file>
@@ -135,7 +136,7 @@
   <pc:docChgLst>
     <pc:chgData name="Vasyl Kolomiets" userId="d150f0032c567a90" providerId="LiveId" clId="{07CAFD1D-20C5-4BCD-B16D-DC0680A38C3B}"/>
     <pc:docChg chg="undo custSel addSld delSld modSld">
-      <pc:chgData name="Vasyl Kolomiets" userId="d150f0032c567a90" providerId="LiveId" clId="{07CAFD1D-20C5-4BCD-B16D-DC0680A38C3B}" dt="2024-09-16T13:48:08.384" v="1898" actId="6549"/>
+      <pc:chgData name="Vasyl Kolomiets" userId="d150f0032c567a90" providerId="LiveId" clId="{07CAFD1D-20C5-4BCD-B16D-DC0680A38C3B}" dt="2024-09-16T14:46:43.600" v="2229"/>
       <pc:docMkLst>
         <pc:docMk/>
       </pc:docMkLst>
@@ -412,7 +413,7 @@
         </pc:spChg>
       </pc:sldChg>
       <pc:sldChg chg="modSp new mod">
-        <pc:chgData name="Vasyl Kolomiets" userId="d150f0032c567a90" providerId="LiveId" clId="{07CAFD1D-20C5-4BCD-B16D-DC0680A38C3B}" dt="2024-09-16T13:48:08.384" v="1898" actId="6549"/>
+        <pc:chgData name="Vasyl Kolomiets" userId="d150f0032c567a90" providerId="LiveId" clId="{07CAFD1D-20C5-4BCD-B16D-DC0680A38C3B}" dt="2024-09-16T14:05:18.726" v="1901" actId="20577"/>
         <pc:sldMkLst>
           <pc:docMk/>
           <pc:sldMk cId="4122149463" sldId="264"/>
@@ -426,13 +427,43 @@
           </ac:spMkLst>
         </pc:spChg>
         <pc:spChg chg="mod">
-          <ac:chgData name="Vasyl Kolomiets" userId="d150f0032c567a90" providerId="LiveId" clId="{07CAFD1D-20C5-4BCD-B16D-DC0680A38C3B}" dt="2024-09-16T13:47:33.113" v="1855" actId="20577"/>
+          <ac:chgData name="Vasyl Kolomiets" userId="d150f0032c567a90" providerId="LiveId" clId="{07CAFD1D-20C5-4BCD-B16D-DC0680A38C3B}" dt="2024-09-16T14:05:18.726" v="1901" actId="20577"/>
           <ac:spMkLst>
             <pc:docMk/>
             <pc:sldMk cId="4122149463" sldId="264"/>
             <ac:spMk id="3" creationId="{A88A8D30-416E-7860-084F-1959B3D8042C}"/>
           </ac:spMkLst>
         </pc:spChg>
+      </pc:sldChg>
+      <pc:sldChg chg="modSp new mod">
+        <pc:chgData name="Vasyl Kolomiets" userId="d150f0032c567a90" providerId="LiveId" clId="{07CAFD1D-20C5-4BCD-B16D-DC0680A38C3B}" dt="2024-09-16T14:46:43.600" v="2229"/>
+        <pc:sldMkLst>
+          <pc:docMk/>
+          <pc:sldMk cId="2569433581" sldId="265"/>
+        </pc:sldMkLst>
+        <pc:spChg chg="mod">
+          <ac:chgData name="Vasyl Kolomiets" userId="d150f0032c567a90" providerId="LiveId" clId="{07CAFD1D-20C5-4BCD-B16D-DC0680A38C3B}" dt="2024-09-16T14:09:15.257" v="1931" actId="20577"/>
+          <ac:spMkLst>
+            <pc:docMk/>
+            <pc:sldMk cId="2569433581" sldId="265"/>
+            <ac:spMk id="2" creationId="{4B24A7ED-59D5-E22B-82F5-EAB027CC5080}"/>
+          </ac:spMkLst>
+        </pc:spChg>
+        <pc:spChg chg="mod">
+          <ac:chgData name="Vasyl Kolomiets" userId="d150f0032c567a90" providerId="LiveId" clId="{07CAFD1D-20C5-4BCD-B16D-DC0680A38C3B}" dt="2024-09-16T14:46:43.600" v="2229"/>
+          <ac:spMkLst>
+            <pc:docMk/>
+            <pc:sldMk cId="2569433581" sldId="265"/>
+            <ac:spMk id="3" creationId="{84F03F58-5A31-2402-857E-25E32FBBB5C1}"/>
+          </ac:spMkLst>
+        </pc:spChg>
+      </pc:sldChg>
+      <pc:sldChg chg="add del">
+        <pc:chgData name="Vasyl Kolomiets" userId="d150f0032c567a90" providerId="LiveId" clId="{07CAFD1D-20C5-4BCD-B16D-DC0680A38C3B}" dt="2024-09-16T14:08:50.334" v="1903" actId="2890"/>
+        <pc:sldMkLst>
+          <pc:docMk/>
+          <pc:sldMk cId="3351968795" sldId="265"/>
+        </pc:sldMkLst>
       </pc:sldChg>
     </pc:docChg>
   </pc:docChgLst>
@@ -22972,9 +23003,10 @@
               <a:t>/</a:t>
             </a:r>
             <a:r>
-              <a:rPr lang="en-US" dirty="0"/>
-              <a:t>docs</a:t>
-            </a:r>
+              <a:rPr lang="en-US"/>
+              <a:t>redoc</a:t>
+            </a:r>
+            <a:endParaRPr lang="en-US" dirty="0"/>
           </a:p>
           <a:p>
             <a:endParaRPr lang="uk-UA" dirty="0"/>
@@ -22995,6 +23027,226 @@
 </file>
 
 <file path=ppt/slides/slide8.xml><?xml version="1.0" encoding="utf-8"?>
+<p:sld xmlns:a="http://schemas.openxmlformats.org/drawingml/2006/main" xmlns:r="http://schemas.openxmlformats.org/officeDocument/2006/relationships" xmlns:p="http://schemas.openxmlformats.org/presentationml/2006/main">
+  <p:cSld>
+    <p:spTree>
+      <p:nvGrpSpPr>
+        <p:cNvPr id="1" name=""/>
+        <p:cNvGrpSpPr/>
+        <p:nvPr/>
+      </p:nvGrpSpPr>
+      <p:grpSpPr>
+        <a:xfrm>
+          <a:off x="0" y="0"/>
+          <a:ext cx="0" cy="0"/>
+          <a:chOff x="0" y="0"/>
+          <a:chExt cx="0" cy="0"/>
+        </a:xfrm>
+      </p:grpSpPr>
+      <p:sp>
+        <p:nvSpPr>
+          <p:cNvPr id="2" name="Заголовок 1">
+            <a:extLst>
+              <a:ext uri="{FF2B5EF4-FFF2-40B4-BE49-F238E27FC236}">
+                <a16:creationId xmlns:a16="http://schemas.microsoft.com/office/drawing/2014/main" id="{4B24A7ED-59D5-E22B-82F5-EAB027CC5080}"/>
+              </a:ext>
+            </a:extLst>
+          </p:cNvPr>
+          <p:cNvSpPr>
+            <a:spLocks noGrp="1"/>
+          </p:cNvSpPr>
+          <p:nvPr>
+            <p:ph type="title"/>
+          </p:nvPr>
+        </p:nvSpPr>
+        <p:spPr/>
+        <p:txBody>
+          <a:bodyPr/>
+          <a:lstStyle/>
+          <a:p>
+            <a:r>
+              <a:rPr lang="uk-UA" dirty="0"/>
+              <a:t>Структура пакетів</a:t>
+            </a:r>
+          </a:p>
+        </p:txBody>
+      </p:sp>
+      <p:sp>
+        <p:nvSpPr>
+          <p:cNvPr id="3" name="Місце для вмісту 2">
+            <a:extLst>
+              <a:ext uri="{FF2B5EF4-FFF2-40B4-BE49-F238E27FC236}">
+                <a16:creationId xmlns:a16="http://schemas.microsoft.com/office/drawing/2014/main" id="{84F03F58-5A31-2402-857E-25E32FBBB5C1}"/>
+              </a:ext>
+            </a:extLst>
+          </p:cNvPr>
+          <p:cNvSpPr>
+            <a:spLocks noGrp="1"/>
+          </p:cNvSpPr>
+          <p:nvPr>
+            <p:ph idx="1"/>
+          </p:nvPr>
+        </p:nvSpPr>
+        <p:spPr/>
+        <p:txBody>
+          <a:bodyPr/>
+          <a:lstStyle/>
+          <a:p>
+            <a:r>
+              <a:rPr lang="en-US" dirty="0" err="1">
+                <a:solidFill>
+                  <a:schemeClr val="bg2"/>
+                </a:solidFill>
+              </a:rPr>
+              <a:t>api</a:t>
+            </a:r>
+            <a:r>
+              <a:rPr lang="uk-UA" dirty="0"/>
+              <a:t> – для обробки коренів (</a:t>
+            </a:r>
+            <a:r>
+              <a:rPr lang="en-US" dirty="0"/>
+              <a:t>routs</a:t>
+            </a:r>
+            <a:r>
+              <a:rPr lang="uk-UA" dirty="0"/>
+              <a:t>)</a:t>
+            </a:r>
+            <a:endParaRPr lang="en-US" dirty="0"/>
+          </a:p>
+          <a:p>
+            <a:r>
+              <a:rPr lang="en-US" dirty="0">
+                <a:solidFill>
+                  <a:schemeClr val="bg2"/>
+                </a:solidFill>
+              </a:rPr>
+              <a:t>models</a:t>
+            </a:r>
+            <a:r>
+              <a:rPr lang="en-US" dirty="0"/>
+              <a:t> – </a:t>
+            </a:r>
+            <a:r>
+              <a:rPr lang="uk-UA" dirty="0"/>
+              <a:t>для моделей даних</a:t>
+            </a:r>
+          </a:p>
+          <a:p>
+            <a:r>
+              <a:rPr lang="en-US" dirty="0">
+                <a:solidFill>
+                  <a:schemeClr val="bg2"/>
+                </a:solidFill>
+              </a:rPr>
+              <a:t>services</a:t>
+            </a:r>
+            <a:r>
+              <a:rPr lang="uk-UA" dirty="0"/>
+              <a:t> – для бізнес-логіки</a:t>
+            </a:r>
+          </a:p>
+          <a:p>
+            <a:pPr marL="0" indent="0">
+              <a:buNone/>
+            </a:pPr>
+            <a:r>
+              <a:rPr lang="uk-UA" dirty="0"/>
+              <a:t>Для </a:t>
+            </a:r>
+            <a:r>
+              <a:rPr lang="en-US" dirty="0"/>
+              <a:t>config.py </a:t>
+            </a:r>
+            <a:r>
+              <a:rPr lang="uk-UA" dirty="0"/>
+              <a:t>використовуємо </a:t>
+            </a:r>
+            <a:r>
+              <a:rPr lang="en-US" i="1" dirty="0">
+                <a:solidFill>
+                  <a:schemeClr val="tx2">
+                    <a:lumMod val="60000"/>
+                    <a:lumOff val="40000"/>
+                  </a:schemeClr>
+                </a:solidFill>
+              </a:rPr>
+              <a:t>pydantic</a:t>
+            </a:r>
+            <a:r>
+              <a:rPr lang="uk-UA" i="1" dirty="0">
+                <a:solidFill>
+                  <a:schemeClr val="tx2">
+                    <a:lumMod val="60000"/>
+                    <a:lumOff val="40000"/>
+                  </a:schemeClr>
+                </a:solidFill>
+              </a:rPr>
+              <a:t>.</a:t>
+            </a:r>
+            <a:r>
+              <a:rPr lang="en-US" i="1" dirty="0">
+                <a:solidFill>
+                  <a:schemeClr val="tx2">
+                    <a:lumMod val="60000"/>
+                    <a:lumOff val="40000"/>
+                  </a:schemeClr>
+                </a:solidFill>
+              </a:rPr>
+              <a:t>BaseSettings</a:t>
+            </a:r>
+          </a:p>
+          <a:p>
+            <a:pPr marL="0" indent="0">
+              <a:buNone/>
+            </a:pPr>
+            <a:r>
+              <a:rPr lang="en-US" i="1" dirty="0" err="1">
+                <a:solidFill>
+                  <a:schemeClr val="tx2">
+                    <a:lumMod val="60000"/>
+                    <a:lumOff val="40000"/>
+                  </a:schemeClr>
+                </a:solidFill>
+              </a:rPr>
+              <a:t>conda</a:t>
+            </a:r>
+            <a:r>
+              <a:rPr lang="en-US" i="1">
+                <a:solidFill>
+                  <a:schemeClr val="tx2">
+                    <a:lumMod val="60000"/>
+                    <a:lumOff val="40000"/>
+                  </a:schemeClr>
+                </a:solidFill>
+              </a:rPr>
+              <a:t> install --file requirements.txt</a:t>
+            </a:r>
+            <a:endParaRPr lang="uk-UA" i="1" dirty="0">
+              <a:solidFill>
+                <a:schemeClr val="tx2">
+                  <a:lumMod val="60000"/>
+                  <a:lumOff val="40000"/>
+                </a:schemeClr>
+              </a:solidFill>
+            </a:endParaRPr>
+          </a:p>
+        </p:txBody>
+      </p:sp>
+    </p:spTree>
+    <p:extLst>
+      <p:ext uri="{BB962C8B-B14F-4D97-AF65-F5344CB8AC3E}">
+        <p14:creationId xmlns:p14="http://schemas.microsoft.com/office/powerpoint/2010/main" val="2569433581"/>
+      </p:ext>
+    </p:extLst>
+  </p:cSld>
+  <p:clrMapOvr>
+    <a:masterClrMapping/>
+  </p:clrMapOvr>
+</p:sld>
+</file>
+
+<file path=ppt/slides/slide9.xml><?xml version="1.0" encoding="utf-8"?>
 <p:sld xmlns:a="http://schemas.openxmlformats.org/drawingml/2006/main" xmlns:r="http://schemas.openxmlformats.org/officeDocument/2006/relationships" xmlns:p="http://schemas.openxmlformats.org/presentationml/2006/main">
   <p:cSld>
     <p:spTree>

--- a/FastAPI.pptx
+++ b/FastAPI.pptx
@@ -5,7 +5,7 @@
     <p:sldMasterId id="2147483696" r:id="rId1"/>
   </p:sldMasterIdLst>
   <p:notesMasterIdLst>
-    <p:notesMasterId r:id="rId10"/>
+    <p:notesMasterId r:id="rId11"/>
   </p:notesMasterIdLst>
   <p:sldIdLst>
     <p:sldId id="256" r:id="rId2"/>
@@ -15,7 +15,8 @@
     <p:sldId id="262" r:id="rId6"/>
     <p:sldId id="263" r:id="rId7"/>
     <p:sldId id="264" r:id="rId8"/>
-    <p:sldId id="261" r:id="rId9"/>
+    <p:sldId id="265" r:id="rId9"/>
+    <p:sldId id="261" r:id="rId10"/>
   </p:sldIdLst>
   <p:sldSz cx="12192000" cy="6858000"/>
   <p:notesSz cx="6858000" cy="9144000"/>
@@ -125,7 +126,7 @@
 <file path=ppt/revisionInfo.xml><?xml version="1.0" encoding="utf-8"?>
 <p1510:revInfo xmlns:a="http://schemas.openxmlformats.org/drawingml/2006/main" xmlns:r="http://schemas.openxmlformats.org/officeDocument/2006/relationships" xmlns:p1510="http://schemas.microsoft.com/office/powerpoint/2015/10/main">
   <p1510:revLst>
-    <p1510:client id="{07CAFD1D-20C5-4BCD-B16D-DC0680A38C3B}" v="136" dt="2024-09-16T13:47:38.832"/>
+    <p1510:client id="{07CAFD1D-20C5-4BCD-B16D-DC0680A38C3B}" v="140" dt="2024-09-16T14:19:40.344"/>
   </p1510:revLst>
 </p1510:revInfo>
 </file>
@@ -135,7 +136,7 @@
   <pc:docChgLst>
     <pc:chgData name="Vasyl Kolomiets" userId="d150f0032c567a90" providerId="LiveId" clId="{07CAFD1D-20C5-4BCD-B16D-DC0680A38C3B}"/>
     <pc:docChg chg="undo custSel addSld delSld modSld">
-      <pc:chgData name="Vasyl Kolomiets" userId="d150f0032c567a90" providerId="LiveId" clId="{07CAFD1D-20C5-4BCD-B16D-DC0680A38C3B}" dt="2024-09-16T13:48:08.384" v="1898" actId="6549"/>
+      <pc:chgData name="Vasyl Kolomiets" userId="d150f0032c567a90" providerId="LiveId" clId="{07CAFD1D-20C5-4BCD-B16D-DC0680A38C3B}" dt="2024-09-17T10:06:52.887" v="2243" actId="20577"/>
       <pc:docMkLst>
         <pc:docMk/>
       </pc:docMkLst>
@@ -412,7 +413,7 @@
         </pc:spChg>
       </pc:sldChg>
       <pc:sldChg chg="modSp new mod">
-        <pc:chgData name="Vasyl Kolomiets" userId="d150f0032c567a90" providerId="LiveId" clId="{07CAFD1D-20C5-4BCD-B16D-DC0680A38C3B}" dt="2024-09-16T13:48:08.384" v="1898" actId="6549"/>
+        <pc:chgData name="Vasyl Kolomiets" userId="d150f0032c567a90" providerId="LiveId" clId="{07CAFD1D-20C5-4BCD-B16D-DC0680A38C3B}" dt="2024-09-16T14:05:18.726" v="1901" actId="20577"/>
         <pc:sldMkLst>
           <pc:docMk/>
           <pc:sldMk cId="4122149463" sldId="264"/>
@@ -426,13 +427,43 @@
           </ac:spMkLst>
         </pc:spChg>
         <pc:spChg chg="mod">
-          <ac:chgData name="Vasyl Kolomiets" userId="d150f0032c567a90" providerId="LiveId" clId="{07CAFD1D-20C5-4BCD-B16D-DC0680A38C3B}" dt="2024-09-16T13:47:33.113" v="1855" actId="20577"/>
+          <ac:chgData name="Vasyl Kolomiets" userId="d150f0032c567a90" providerId="LiveId" clId="{07CAFD1D-20C5-4BCD-B16D-DC0680A38C3B}" dt="2024-09-16T14:05:18.726" v="1901" actId="20577"/>
           <ac:spMkLst>
             <pc:docMk/>
             <pc:sldMk cId="4122149463" sldId="264"/>
             <ac:spMk id="3" creationId="{A88A8D30-416E-7860-084F-1959B3D8042C}"/>
           </ac:spMkLst>
         </pc:spChg>
+      </pc:sldChg>
+      <pc:sldChg chg="modSp new mod">
+        <pc:chgData name="Vasyl Kolomiets" userId="d150f0032c567a90" providerId="LiveId" clId="{07CAFD1D-20C5-4BCD-B16D-DC0680A38C3B}" dt="2024-09-17T10:06:52.887" v="2243" actId="20577"/>
+        <pc:sldMkLst>
+          <pc:docMk/>
+          <pc:sldMk cId="2569433581" sldId="265"/>
+        </pc:sldMkLst>
+        <pc:spChg chg="mod">
+          <ac:chgData name="Vasyl Kolomiets" userId="d150f0032c567a90" providerId="LiveId" clId="{07CAFD1D-20C5-4BCD-B16D-DC0680A38C3B}" dt="2024-09-16T14:09:15.257" v="1931" actId="20577"/>
+          <ac:spMkLst>
+            <pc:docMk/>
+            <pc:sldMk cId="2569433581" sldId="265"/>
+            <ac:spMk id="2" creationId="{4B24A7ED-59D5-E22B-82F5-EAB027CC5080}"/>
+          </ac:spMkLst>
+        </pc:spChg>
+        <pc:spChg chg="mod">
+          <ac:chgData name="Vasyl Kolomiets" userId="d150f0032c567a90" providerId="LiveId" clId="{07CAFD1D-20C5-4BCD-B16D-DC0680A38C3B}" dt="2024-09-17T10:06:52.887" v="2243" actId="20577"/>
+          <ac:spMkLst>
+            <pc:docMk/>
+            <pc:sldMk cId="2569433581" sldId="265"/>
+            <ac:spMk id="3" creationId="{84F03F58-5A31-2402-857E-25E32FBBB5C1}"/>
+          </ac:spMkLst>
+        </pc:spChg>
+      </pc:sldChg>
+      <pc:sldChg chg="add del">
+        <pc:chgData name="Vasyl Kolomiets" userId="d150f0032c567a90" providerId="LiveId" clId="{07CAFD1D-20C5-4BCD-B16D-DC0680A38C3B}" dt="2024-09-16T14:08:50.334" v="1903" actId="2890"/>
+        <pc:sldMkLst>
+          <pc:docMk/>
+          <pc:sldMk cId="3351968795" sldId="265"/>
+        </pc:sldMkLst>
       </pc:sldChg>
     </pc:docChg>
   </pc:docChgLst>
@@ -6326,6 +6357,30 @@
           </pc:sldLayoutMkLst>
         </pc:sldLayoutChg>
       </pc:sldMasterChg>
+    </pc:docChg>
+  </pc:docChgLst>
+  <pc:docChgLst>
+    <pc:chgData name="Vasyl Kolomiets" userId="d150f0032c567a90" providerId="LiveId" clId="{274E0C10-A92E-4B6B-AB45-3FFF2C435C55}"/>
+    <pc:docChg chg="modSld">
+      <pc:chgData name="Vasyl Kolomiets" userId="d150f0032c567a90" providerId="LiveId" clId="{274E0C10-A92E-4B6B-AB45-3FFF2C435C55}" dt="2024-09-17T11:09:12.251" v="0"/>
+      <pc:docMkLst>
+        <pc:docMk/>
+      </pc:docMkLst>
+      <pc:sldChg chg="modSp mod">
+        <pc:chgData name="Vasyl Kolomiets" userId="d150f0032c567a90" providerId="LiveId" clId="{274E0C10-A92E-4B6B-AB45-3FFF2C435C55}" dt="2024-09-17T11:09:12.251" v="0"/>
+        <pc:sldMkLst>
+          <pc:docMk/>
+          <pc:sldMk cId="2569433581" sldId="265"/>
+        </pc:sldMkLst>
+        <pc:spChg chg="mod">
+          <ac:chgData name="Vasyl Kolomiets" userId="d150f0032c567a90" providerId="LiveId" clId="{274E0C10-A92E-4B6B-AB45-3FFF2C435C55}" dt="2024-09-17T11:09:12.251" v="0"/>
+          <ac:spMkLst>
+            <pc:docMk/>
+            <pc:sldMk cId="2569433581" sldId="265"/>
+            <ac:spMk id="3" creationId="{84F03F58-5A31-2402-857E-25E32FBBB5C1}"/>
+          </ac:spMkLst>
+        </pc:spChg>
+      </pc:sldChg>
     </pc:docChg>
   </pc:docChgLst>
 </pc:chgInfo>
@@ -6413,7 +6468,7 @@
           <a:p>
             <a:fld id="{2FB755C2-DFB0-4735-AFB6-E8062BAEC10D}" type="datetimeFigureOut">
               <a:rPr lang="uk-UA" smtClean="0"/>
-              <a:t>16.09.2024</a:t>
+              <a:t>17.09.2024</a:t>
             </a:fld>
             <a:endParaRPr lang="uk-UA"/>
           </a:p>
@@ -11344,7 +11399,7 @@
           <a:p>
             <a:fld id="{90D7E4E6-7330-4045-B26D-A5140A6474C6}" type="datetimeFigureOut">
               <a:rPr lang="uk-UA" smtClean="0"/>
-              <a:t>16.09.2024</a:t>
+              <a:t>17.09.2024</a:t>
             </a:fld>
             <a:endParaRPr lang="uk-UA"/>
           </a:p>
@@ -11611,7 +11666,7 @@
           <a:p>
             <a:fld id="{90D7E4E6-7330-4045-B26D-A5140A6474C6}" type="datetimeFigureOut">
               <a:rPr lang="uk-UA" smtClean="0"/>
-              <a:t>16.09.2024</a:t>
+              <a:t>17.09.2024</a:t>
             </a:fld>
             <a:endParaRPr lang="uk-UA"/>
           </a:p>
@@ -11807,7 +11862,7 @@
           <a:p>
             <a:fld id="{90D7E4E6-7330-4045-B26D-A5140A6474C6}" type="datetimeFigureOut">
               <a:rPr lang="uk-UA" smtClean="0"/>
-              <a:t>16.09.2024</a:t>
+              <a:t>17.09.2024</a:t>
             </a:fld>
             <a:endParaRPr lang="uk-UA"/>
           </a:p>
@@ -12070,7 +12125,7 @@
           <a:p>
             <a:fld id="{90D7E4E6-7330-4045-B26D-A5140A6474C6}" type="datetimeFigureOut">
               <a:rPr lang="uk-UA" smtClean="0"/>
-              <a:t>16.09.2024</a:t>
+              <a:t>17.09.2024</a:t>
             </a:fld>
             <a:endParaRPr lang="uk-UA"/>
           </a:p>
@@ -12504,7 +12559,7 @@
           <a:p>
             <a:fld id="{90D7E4E6-7330-4045-B26D-A5140A6474C6}" type="datetimeFigureOut">
               <a:rPr lang="uk-UA" smtClean="0"/>
-              <a:t>16.09.2024</a:t>
+              <a:t>17.09.2024</a:t>
             </a:fld>
             <a:endParaRPr lang="uk-UA"/>
           </a:p>
@@ -13050,7 +13105,7 @@
           <a:p>
             <a:fld id="{90D7E4E6-7330-4045-B26D-A5140A6474C6}" type="datetimeFigureOut">
               <a:rPr lang="uk-UA" smtClean="0"/>
-              <a:t>16.09.2024</a:t>
+              <a:t>17.09.2024</a:t>
             </a:fld>
             <a:endParaRPr lang="uk-UA"/>
           </a:p>
@@ -13770,7 +13825,7 @@
           <a:p>
             <a:fld id="{90D7E4E6-7330-4045-B26D-A5140A6474C6}" type="datetimeFigureOut">
               <a:rPr lang="uk-UA" smtClean="0"/>
-              <a:t>16.09.2024</a:t>
+              <a:t>17.09.2024</a:t>
             </a:fld>
             <a:endParaRPr lang="uk-UA"/>
           </a:p>
@@ -13940,7 +13995,7 @@
           <a:p>
             <a:fld id="{90D7E4E6-7330-4045-B26D-A5140A6474C6}" type="datetimeFigureOut">
               <a:rPr lang="uk-UA" smtClean="0"/>
-              <a:t>16.09.2024</a:t>
+              <a:t>17.09.2024</a:t>
             </a:fld>
             <a:endParaRPr lang="uk-UA"/>
           </a:p>
@@ -14120,7 +14175,7 @@
           <a:p>
             <a:fld id="{90D7E4E6-7330-4045-B26D-A5140A6474C6}" type="datetimeFigureOut">
               <a:rPr lang="uk-UA" smtClean="0"/>
-              <a:t>16.09.2024</a:t>
+              <a:t>17.09.2024</a:t>
             </a:fld>
             <a:endParaRPr lang="uk-UA"/>
           </a:p>
@@ -14290,7 +14345,7 @@
           <a:p>
             <a:fld id="{90D7E4E6-7330-4045-B26D-A5140A6474C6}" type="datetimeFigureOut">
               <a:rPr lang="uk-UA" smtClean="0"/>
-              <a:t>16.09.2024</a:t>
+              <a:t>17.09.2024</a:t>
             </a:fld>
             <a:endParaRPr lang="uk-UA"/>
           </a:p>
@@ -14540,7 +14595,7 @@
           <a:p>
             <a:fld id="{90D7E4E6-7330-4045-B26D-A5140A6474C6}" type="datetimeFigureOut">
               <a:rPr lang="uk-UA" smtClean="0"/>
-              <a:t>16.09.2024</a:t>
+              <a:t>17.09.2024</a:t>
             </a:fld>
             <a:endParaRPr lang="uk-UA"/>
           </a:p>
@@ -14772,7 +14827,7 @@
           <a:p>
             <a:fld id="{90D7E4E6-7330-4045-B26D-A5140A6474C6}" type="datetimeFigureOut">
               <a:rPr lang="uk-UA" smtClean="0"/>
-              <a:t>16.09.2024</a:t>
+              <a:t>17.09.2024</a:t>
             </a:fld>
             <a:endParaRPr lang="uk-UA"/>
           </a:p>
@@ -15153,7 +15208,7 @@
           <a:p>
             <a:fld id="{90D7E4E6-7330-4045-B26D-A5140A6474C6}" type="datetimeFigureOut">
               <a:rPr lang="uk-UA" smtClean="0"/>
-              <a:t>16.09.2024</a:t>
+              <a:t>17.09.2024</a:t>
             </a:fld>
             <a:endParaRPr lang="uk-UA"/>
           </a:p>
@@ -15271,7 +15326,7 @@
           <a:p>
             <a:fld id="{90D7E4E6-7330-4045-B26D-A5140A6474C6}" type="datetimeFigureOut">
               <a:rPr lang="uk-UA" smtClean="0"/>
-              <a:t>16.09.2024</a:t>
+              <a:t>17.09.2024</a:t>
             </a:fld>
             <a:endParaRPr lang="uk-UA"/>
           </a:p>
@@ -15366,7 +15421,7 @@
           <a:p>
             <a:fld id="{90D7E4E6-7330-4045-B26D-A5140A6474C6}" type="datetimeFigureOut">
               <a:rPr lang="uk-UA" smtClean="0"/>
-              <a:t>16.09.2024</a:t>
+              <a:t>17.09.2024</a:t>
             </a:fld>
             <a:endParaRPr lang="uk-UA"/>
           </a:p>
@@ -15615,7 +15670,7 @@
           <a:p>
             <a:fld id="{90D7E4E6-7330-4045-B26D-A5140A6474C6}" type="datetimeFigureOut">
               <a:rPr lang="uk-UA" smtClean="0"/>
-              <a:t>16.09.2024</a:t>
+              <a:t>17.09.2024</a:t>
             </a:fld>
             <a:endParaRPr lang="uk-UA"/>
           </a:p>
@@ -15895,7 +15950,7 @@
           <a:p>
             <a:fld id="{90D7E4E6-7330-4045-B26D-A5140A6474C6}" type="datetimeFigureOut">
               <a:rPr lang="uk-UA" smtClean="0"/>
-              <a:t>16.09.2024</a:t>
+              <a:t>17.09.2024</a:t>
             </a:fld>
             <a:endParaRPr lang="uk-UA"/>
           </a:p>
@@ -18972,7 +19027,7 @@
           <a:p>
             <a:fld id="{90D7E4E6-7330-4045-B26D-A5140A6474C6}" type="datetimeFigureOut">
               <a:rPr lang="uk-UA" smtClean="0"/>
-              <a:t>16.09.2024</a:t>
+              <a:t>17.09.2024</a:t>
             </a:fld>
             <a:endParaRPr lang="uk-UA"/>
           </a:p>
@@ -22972,9 +23027,10 @@
               <a:t>/</a:t>
             </a:r>
             <a:r>
-              <a:rPr lang="en-US" dirty="0"/>
-              <a:t>docs</a:t>
-            </a:r>
+              <a:rPr lang="en-US"/>
+              <a:t>redoc</a:t>
+            </a:r>
+            <a:endParaRPr lang="en-US" dirty="0"/>
           </a:p>
           <a:p>
             <a:endParaRPr lang="uk-UA" dirty="0"/>
@@ -22995,6 +23051,269 @@
 </file>
 
 <file path=ppt/slides/slide8.xml><?xml version="1.0" encoding="utf-8"?>
+<p:sld xmlns:a="http://schemas.openxmlformats.org/drawingml/2006/main" xmlns:r="http://schemas.openxmlformats.org/officeDocument/2006/relationships" xmlns:p="http://schemas.openxmlformats.org/presentationml/2006/main">
+  <p:cSld>
+    <p:spTree>
+      <p:nvGrpSpPr>
+        <p:cNvPr id="1" name=""/>
+        <p:cNvGrpSpPr/>
+        <p:nvPr/>
+      </p:nvGrpSpPr>
+      <p:grpSpPr>
+        <a:xfrm>
+          <a:off x="0" y="0"/>
+          <a:ext cx="0" cy="0"/>
+          <a:chOff x="0" y="0"/>
+          <a:chExt cx="0" cy="0"/>
+        </a:xfrm>
+      </p:grpSpPr>
+      <p:sp>
+        <p:nvSpPr>
+          <p:cNvPr id="2" name="Заголовок 1">
+            <a:extLst>
+              <a:ext uri="{FF2B5EF4-FFF2-40B4-BE49-F238E27FC236}">
+                <a16:creationId xmlns:a16="http://schemas.microsoft.com/office/drawing/2014/main" id="{4B24A7ED-59D5-E22B-82F5-EAB027CC5080}"/>
+              </a:ext>
+            </a:extLst>
+          </p:cNvPr>
+          <p:cNvSpPr>
+            <a:spLocks noGrp="1"/>
+          </p:cNvSpPr>
+          <p:nvPr>
+            <p:ph type="title"/>
+          </p:nvPr>
+        </p:nvSpPr>
+        <p:spPr/>
+        <p:txBody>
+          <a:bodyPr/>
+          <a:lstStyle/>
+          <a:p>
+            <a:r>
+              <a:rPr lang="uk-UA" dirty="0"/>
+              <a:t>Структура пакетів</a:t>
+            </a:r>
+          </a:p>
+        </p:txBody>
+      </p:sp>
+      <p:sp>
+        <p:nvSpPr>
+          <p:cNvPr id="3" name="Місце для вмісту 2">
+            <a:extLst>
+              <a:ext uri="{FF2B5EF4-FFF2-40B4-BE49-F238E27FC236}">
+                <a16:creationId xmlns:a16="http://schemas.microsoft.com/office/drawing/2014/main" id="{84F03F58-5A31-2402-857E-25E32FBBB5C1}"/>
+              </a:ext>
+            </a:extLst>
+          </p:cNvPr>
+          <p:cNvSpPr>
+            <a:spLocks noGrp="1"/>
+          </p:cNvSpPr>
+          <p:nvPr>
+            <p:ph idx="1"/>
+          </p:nvPr>
+        </p:nvSpPr>
+        <p:spPr/>
+        <p:txBody>
+          <a:bodyPr/>
+          <a:lstStyle/>
+          <a:p>
+            <a:r>
+              <a:rPr lang="en-US" dirty="0" err="1">
+                <a:solidFill>
+                  <a:schemeClr val="bg2"/>
+                </a:solidFill>
+              </a:rPr>
+              <a:t>api</a:t>
+            </a:r>
+            <a:r>
+              <a:rPr lang="uk-UA" dirty="0"/>
+              <a:t> – для обробки коренів (</a:t>
+            </a:r>
+            <a:r>
+              <a:rPr lang="en-US" dirty="0"/>
+              <a:t>routs</a:t>
+            </a:r>
+            <a:r>
+              <a:rPr lang="uk-UA" dirty="0"/>
+              <a:t>)</a:t>
+            </a:r>
+            <a:endParaRPr lang="en-US" dirty="0"/>
+          </a:p>
+          <a:p>
+            <a:r>
+              <a:rPr lang="en-US" dirty="0">
+                <a:solidFill>
+                  <a:schemeClr val="bg2"/>
+                </a:solidFill>
+              </a:rPr>
+              <a:t>models</a:t>
+            </a:r>
+            <a:r>
+              <a:rPr lang="en-US" dirty="0"/>
+              <a:t> – </a:t>
+            </a:r>
+            <a:r>
+              <a:rPr lang="uk-UA" dirty="0"/>
+              <a:t>для моделей даних</a:t>
+            </a:r>
+          </a:p>
+          <a:p>
+            <a:r>
+              <a:rPr lang="en-US" dirty="0">
+                <a:solidFill>
+                  <a:schemeClr val="bg2"/>
+                </a:solidFill>
+              </a:rPr>
+              <a:t>films</a:t>
+            </a:r>
+            <a:r>
+              <a:rPr lang="uk-UA" dirty="0"/>
+              <a:t> – для бізнес-логіки</a:t>
+            </a:r>
+          </a:p>
+          <a:p>
+            <a:pPr marL="0" indent="0">
+              <a:buNone/>
+            </a:pPr>
+            <a:r>
+              <a:rPr lang="uk-UA" dirty="0"/>
+              <a:t>Для </a:t>
+            </a:r>
+            <a:r>
+              <a:rPr lang="en-US" dirty="0"/>
+              <a:t>config.py </a:t>
+            </a:r>
+            <a:r>
+              <a:rPr lang="uk-UA" dirty="0"/>
+              <a:t>використовуємо </a:t>
+            </a:r>
+            <a:r>
+              <a:rPr lang="en-US" i="1" dirty="0">
+                <a:solidFill>
+                  <a:schemeClr val="tx2">
+                    <a:lumMod val="60000"/>
+                    <a:lumOff val="40000"/>
+                  </a:schemeClr>
+                </a:solidFill>
+              </a:rPr>
+              <a:t>pydantic</a:t>
+            </a:r>
+            <a:r>
+              <a:rPr lang="uk-UA" i="1" dirty="0">
+                <a:solidFill>
+                  <a:schemeClr val="tx2">
+                    <a:lumMod val="60000"/>
+                    <a:lumOff val="40000"/>
+                  </a:schemeClr>
+                </a:solidFill>
+              </a:rPr>
+              <a:t>.</a:t>
+            </a:r>
+            <a:r>
+              <a:rPr lang="en-US" i="1" dirty="0" err="1">
+                <a:solidFill>
+                  <a:schemeClr val="tx2">
+                    <a:lumMod val="60000"/>
+                    <a:lumOff val="40000"/>
+                  </a:schemeClr>
+                </a:solidFill>
+              </a:rPr>
+              <a:t>BaseSettings</a:t>
+            </a:r>
+            <a:endParaRPr lang="en-US" i="1" dirty="0">
+              <a:solidFill>
+                <a:schemeClr val="tx2">
+                  <a:lumMod val="60000"/>
+                  <a:lumOff val="40000"/>
+                </a:schemeClr>
+              </a:solidFill>
+            </a:endParaRPr>
+          </a:p>
+          <a:p>
+            <a:pPr marL="0" indent="0">
+              <a:buNone/>
+            </a:pPr>
+            <a:r>
+              <a:rPr lang="en-US" i="1" dirty="0">
+                <a:solidFill>
+                  <a:schemeClr val="tx2">
+                    <a:lumMod val="60000"/>
+                    <a:lumOff val="40000"/>
+                  </a:schemeClr>
+                </a:solidFill>
+              </a:rPr>
+              <a:t>python -m </a:t>
+            </a:r>
+            <a:r>
+              <a:rPr lang="en-US" i="1">
+                <a:solidFill>
+                  <a:schemeClr val="tx2">
+                    <a:lumMod val="60000"/>
+                    <a:lumOff val="40000"/>
+                  </a:schemeClr>
+                </a:solidFill>
+              </a:rPr>
+              <a:t>links_bank</a:t>
+            </a:r>
+            <a:endParaRPr lang="en-US" i="1" dirty="0">
+              <a:solidFill>
+                <a:schemeClr val="tx2">
+                  <a:lumMod val="60000"/>
+                  <a:lumOff val="40000"/>
+                </a:schemeClr>
+              </a:solidFill>
+            </a:endParaRPr>
+          </a:p>
+          <a:p>
+            <a:pPr marL="0" indent="0">
+              <a:buNone/>
+            </a:pPr>
+            <a:r>
+              <a:rPr lang="en-US" i="1" dirty="0" err="1">
+                <a:solidFill>
+                  <a:schemeClr val="tx2">
+                    <a:lumMod val="60000"/>
+                    <a:lumOff val="40000"/>
+                  </a:schemeClr>
+                </a:solidFill>
+              </a:rPr>
+              <a:t>conda</a:t>
+            </a:r>
+            <a:r>
+              <a:rPr lang="en-US" i="1" dirty="0">
+                <a:solidFill>
+                  <a:schemeClr val="tx2">
+                    <a:lumMod val="60000"/>
+                    <a:lumOff val="40000"/>
+                  </a:schemeClr>
+                </a:solidFill>
+              </a:rPr>
+              <a:t> install --file requirements.txt</a:t>
+            </a:r>
+            <a:endParaRPr lang="uk-UA" i="1" dirty="0">
+              <a:solidFill>
+                <a:schemeClr val="tx2">
+                  <a:lumMod val="60000"/>
+                  <a:lumOff val="40000"/>
+                </a:schemeClr>
+              </a:solidFill>
+            </a:endParaRPr>
+          </a:p>
+        </p:txBody>
+      </p:sp>
+    </p:spTree>
+    <p:extLst>
+      <p:ext uri="{BB962C8B-B14F-4D97-AF65-F5344CB8AC3E}">
+        <p14:creationId xmlns:p14="http://schemas.microsoft.com/office/powerpoint/2010/main" val="2569433581"/>
+      </p:ext>
+    </p:extLst>
+  </p:cSld>
+  <p:clrMapOvr>
+    <a:masterClrMapping/>
+  </p:clrMapOvr>
+</p:sld>
+</file>
+
+<file path=ppt/slides/slide9.xml><?xml version="1.0" encoding="utf-8"?>
 <p:sld xmlns:a="http://schemas.openxmlformats.org/drawingml/2006/main" xmlns:r="http://schemas.openxmlformats.org/officeDocument/2006/relationships" xmlns:p="http://schemas.openxmlformats.org/presentationml/2006/main">
   <p:cSld>
     <p:spTree>

--- a/FastAPI.pptx
+++ b/FastAPI.pptx
@@ -5,7 +5,7 @@
     <p:sldMasterId id="2147483696" r:id="rId1"/>
   </p:sldMasterIdLst>
   <p:notesMasterIdLst>
-    <p:notesMasterId r:id="rId11"/>
+    <p:notesMasterId r:id="rId13"/>
   </p:notesMasterIdLst>
   <p:sldIdLst>
     <p:sldId id="256" r:id="rId2"/>
@@ -16,7 +16,9 @@
     <p:sldId id="263" r:id="rId7"/>
     <p:sldId id="264" r:id="rId8"/>
     <p:sldId id="265" r:id="rId9"/>
-    <p:sldId id="261" r:id="rId10"/>
+    <p:sldId id="266" r:id="rId10"/>
+    <p:sldId id="267" r:id="rId11"/>
+    <p:sldId id="261" r:id="rId12"/>
   </p:sldIdLst>
   <p:sldSz cx="12192000" cy="6858000"/>
   <p:notesSz cx="6858000" cy="9144000"/>
@@ -123,14 +125,6 @@
 </p:presentation>
 </file>
 
-<file path=ppt/revisionInfo.xml><?xml version="1.0" encoding="utf-8"?>
-<p1510:revInfo xmlns:a="http://schemas.openxmlformats.org/drawingml/2006/main" xmlns:r="http://schemas.openxmlformats.org/officeDocument/2006/relationships" xmlns:p1510="http://schemas.microsoft.com/office/powerpoint/2015/10/main">
-  <p1510:revLst>
-    <p1510:client id="{07CAFD1D-20C5-4BCD-B16D-DC0680A38C3B}" v="140" dt="2024-09-16T14:19:40.344"/>
-  </p1510:revLst>
-</p1510:revInfo>
-</file>
-
 <file path=ppt/changesInfos/changesInfo1.xml><?xml version="1.0" encoding="utf-8"?>
 <pc:chgInfo xmlns:a="http://schemas.openxmlformats.org/drawingml/2006/main" xmlns:r="http://schemas.openxmlformats.org/officeDocument/2006/relationships" xmlns:ac="http://schemas.microsoft.com/office/drawing/2013/main/command" xmlns:pc="http://schemas.microsoft.com/office/powerpoint/2013/main/command">
   <pc:docChgLst>
@@ -6361,8 +6355,8 @@
   </pc:docChgLst>
   <pc:docChgLst>
     <pc:chgData name="Vasyl Kolomiets" userId="d150f0032c567a90" providerId="LiveId" clId="{274E0C10-A92E-4B6B-AB45-3FFF2C435C55}"/>
-    <pc:docChg chg="modSld">
-      <pc:chgData name="Vasyl Kolomiets" userId="d150f0032c567a90" providerId="LiveId" clId="{274E0C10-A92E-4B6B-AB45-3FFF2C435C55}" dt="2024-09-17T11:09:12.251" v="0"/>
+    <pc:docChg chg="undo custSel addSld delSld modSld">
+      <pc:chgData name="Vasyl Kolomiets" userId="d150f0032c567a90" providerId="LiveId" clId="{274E0C10-A92E-4B6B-AB45-3FFF2C435C55}" dt="2024-09-18T18:38:28.737" v="449" actId="20577"/>
       <pc:docMkLst>
         <pc:docMk/>
       </pc:docMkLst>
@@ -6378,6 +6372,75 @@
             <pc:docMk/>
             <pc:sldMk cId="2569433581" sldId="265"/>
             <ac:spMk id="3" creationId="{84F03F58-5A31-2402-857E-25E32FBBB5C1}"/>
+          </ac:spMkLst>
+        </pc:spChg>
+      </pc:sldChg>
+      <pc:sldChg chg="modSp new mod">
+        <pc:chgData name="Vasyl Kolomiets" userId="d150f0032c567a90" providerId="LiveId" clId="{274E0C10-A92E-4B6B-AB45-3FFF2C435C55}" dt="2024-09-18T12:28:00.085" v="117" actId="27636"/>
+        <pc:sldMkLst>
+          <pc:docMk/>
+          <pc:sldMk cId="920398141" sldId="266"/>
+        </pc:sldMkLst>
+        <pc:spChg chg="mod">
+          <ac:chgData name="Vasyl Kolomiets" userId="d150f0032c567a90" providerId="LiveId" clId="{274E0C10-A92E-4B6B-AB45-3FFF2C435C55}" dt="2024-09-18T12:27:12.396" v="95" actId="1076"/>
+          <ac:spMkLst>
+            <pc:docMk/>
+            <pc:sldMk cId="920398141" sldId="266"/>
+            <ac:spMk id="2" creationId="{1D7CAAED-7434-9986-B66B-3C3F647CEDE5}"/>
+          </ac:spMkLst>
+        </pc:spChg>
+        <pc:spChg chg="mod">
+          <ac:chgData name="Vasyl Kolomiets" userId="d150f0032c567a90" providerId="LiveId" clId="{274E0C10-A92E-4B6B-AB45-3FFF2C435C55}" dt="2024-09-18T12:28:00.085" v="117" actId="27636"/>
+          <ac:spMkLst>
+            <pc:docMk/>
+            <pc:sldMk cId="920398141" sldId="266"/>
+            <ac:spMk id="3" creationId="{8DC2F205-59B9-2414-12B8-7110064B5931}"/>
+          </ac:spMkLst>
+        </pc:spChg>
+      </pc:sldChg>
+      <pc:sldChg chg="delSp modSp new del mod">
+        <pc:chgData name="Vasyl Kolomiets" userId="d150f0032c567a90" providerId="LiveId" clId="{274E0C10-A92E-4B6B-AB45-3FFF2C435C55}" dt="2024-09-18T12:28:10.735" v="118" actId="47"/>
+        <pc:sldMkLst>
+          <pc:docMk/>
+          <pc:sldMk cId="1736653235" sldId="267"/>
+        </pc:sldMkLst>
+        <pc:spChg chg="del">
+          <ac:chgData name="Vasyl Kolomiets" userId="d150f0032c567a90" providerId="LiveId" clId="{274E0C10-A92E-4B6B-AB45-3FFF2C435C55}" dt="2024-09-18T12:25:52.244" v="77" actId="478"/>
+          <ac:spMkLst>
+            <pc:docMk/>
+            <pc:sldMk cId="1736653235" sldId="267"/>
+            <ac:spMk id="2" creationId="{6BD83AB6-08D0-9660-647F-D2E9D95424F9}"/>
+          </ac:spMkLst>
+        </pc:spChg>
+        <pc:spChg chg="mod">
+          <ac:chgData name="Vasyl Kolomiets" userId="d150f0032c567a90" providerId="LiveId" clId="{274E0C10-A92E-4B6B-AB45-3FFF2C435C55}" dt="2024-09-18T12:26:16.846" v="81" actId="207"/>
+          <ac:spMkLst>
+            <pc:docMk/>
+            <pc:sldMk cId="1736653235" sldId="267"/>
+            <ac:spMk id="3" creationId="{EB34C8D9-ECC0-5416-AEDD-620962DD37F1}"/>
+          </ac:spMkLst>
+        </pc:spChg>
+      </pc:sldChg>
+      <pc:sldChg chg="modSp new mod">
+        <pc:chgData name="Vasyl Kolomiets" userId="d150f0032c567a90" providerId="LiveId" clId="{274E0C10-A92E-4B6B-AB45-3FFF2C435C55}" dt="2024-09-18T18:38:28.737" v="449" actId="20577"/>
+        <pc:sldMkLst>
+          <pc:docMk/>
+          <pc:sldMk cId="2914774472" sldId="267"/>
+        </pc:sldMkLst>
+        <pc:spChg chg="mod">
+          <ac:chgData name="Vasyl Kolomiets" userId="d150f0032c567a90" providerId="LiveId" clId="{274E0C10-A92E-4B6B-AB45-3FFF2C435C55}" dt="2024-09-18T18:38:28.737" v="449" actId="20577"/>
+          <ac:spMkLst>
+            <pc:docMk/>
+            <pc:sldMk cId="2914774472" sldId="267"/>
+            <ac:spMk id="2" creationId="{5E44D68B-4528-EB88-B07D-942EFBE43FDC}"/>
+          </ac:spMkLst>
+        </pc:spChg>
+        <pc:spChg chg="mod">
+          <ac:chgData name="Vasyl Kolomiets" userId="d150f0032c567a90" providerId="LiveId" clId="{274E0C10-A92E-4B6B-AB45-3FFF2C435C55}" dt="2024-09-18T18:38:24.814" v="447" actId="20577"/>
+          <ac:spMkLst>
+            <pc:docMk/>
+            <pc:sldMk cId="2914774472" sldId="267"/>
+            <ac:spMk id="3" creationId="{C2FCA320-A942-89A6-3EA0-AAF392B1E7F1}"/>
           </ac:spMkLst>
         </pc:spChg>
       </pc:sldChg>
@@ -6468,7 +6531,7 @@
           <a:p>
             <a:fld id="{2FB755C2-DFB0-4735-AFB6-E8062BAEC10D}" type="datetimeFigureOut">
               <a:rPr lang="uk-UA" smtClean="0"/>
-              <a:t>17.09.2024</a:t>
+              <a:t>18.09.2024</a:t>
             </a:fld>
             <a:endParaRPr lang="uk-UA"/>
           </a:p>
@@ -11399,7 +11462,7 @@
           <a:p>
             <a:fld id="{90D7E4E6-7330-4045-B26D-A5140A6474C6}" type="datetimeFigureOut">
               <a:rPr lang="uk-UA" smtClean="0"/>
-              <a:t>17.09.2024</a:t>
+              <a:t>18.09.2024</a:t>
             </a:fld>
             <a:endParaRPr lang="uk-UA"/>
           </a:p>
@@ -11666,7 +11729,7 @@
           <a:p>
             <a:fld id="{90D7E4E6-7330-4045-B26D-A5140A6474C6}" type="datetimeFigureOut">
               <a:rPr lang="uk-UA" smtClean="0"/>
-              <a:t>17.09.2024</a:t>
+              <a:t>18.09.2024</a:t>
             </a:fld>
             <a:endParaRPr lang="uk-UA"/>
           </a:p>
@@ -11862,7 +11925,7 @@
           <a:p>
             <a:fld id="{90D7E4E6-7330-4045-B26D-A5140A6474C6}" type="datetimeFigureOut">
               <a:rPr lang="uk-UA" smtClean="0"/>
-              <a:t>17.09.2024</a:t>
+              <a:t>18.09.2024</a:t>
             </a:fld>
             <a:endParaRPr lang="uk-UA"/>
           </a:p>
@@ -12125,7 +12188,7 @@
           <a:p>
             <a:fld id="{90D7E4E6-7330-4045-B26D-A5140A6474C6}" type="datetimeFigureOut">
               <a:rPr lang="uk-UA" smtClean="0"/>
-              <a:t>17.09.2024</a:t>
+              <a:t>18.09.2024</a:t>
             </a:fld>
             <a:endParaRPr lang="uk-UA"/>
           </a:p>
@@ -12559,7 +12622,7 @@
           <a:p>
             <a:fld id="{90D7E4E6-7330-4045-B26D-A5140A6474C6}" type="datetimeFigureOut">
               <a:rPr lang="uk-UA" smtClean="0"/>
-              <a:t>17.09.2024</a:t>
+              <a:t>18.09.2024</a:t>
             </a:fld>
             <a:endParaRPr lang="uk-UA"/>
           </a:p>
@@ -13105,7 +13168,7 @@
           <a:p>
             <a:fld id="{90D7E4E6-7330-4045-B26D-A5140A6474C6}" type="datetimeFigureOut">
               <a:rPr lang="uk-UA" smtClean="0"/>
-              <a:t>17.09.2024</a:t>
+              <a:t>18.09.2024</a:t>
             </a:fld>
             <a:endParaRPr lang="uk-UA"/>
           </a:p>
@@ -13825,7 +13888,7 @@
           <a:p>
             <a:fld id="{90D7E4E6-7330-4045-B26D-A5140A6474C6}" type="datetimeFigureOut">
               <a:rPr lang="uk-UA" smtClean="0"/>
-              <a:t>17.09.2024</a:t>
+              <a:t>18.09.2024</a:t>
             </a:fld>
             <a:endParaRPr lang="uk-UA"/>
           </a:p>
@@ -13995,7 +14058,7 @@
           <a:p>
             <a:fld id="{90D7E4E6-7330-4045-B26D-A5140A6474C6}" type="datetimeFigureOut">
               <a:rPr lang="uk-UA" smtClean="0"/>
-              <a:t>17.09.2024</a:t>
+              <a:t>18.09.2024</a:t>
             </a:fld>
             <a:endParaRPr lang="uk-UA"/>
           </a:p>
@@ -14175,7 +14238,7 @@
           <a:p>
             <a:fld id="{90D7E4E6-7330-4045-B26D-A5140A6474C6}" type="datetimeFigureOut">
               <a:rPr lang="uk-UA" smtClean="0"/>
-              <a:t>17.09.2024</a:t>
+              <a:t>18.09.2024</a:t>
             </a:fld>
             <a:endParaRPr lang="uk-UA"/>
           </a:p>
@@ -14345,7 +14408,7 @@
           <a:p>
             <a:fld id="{90D7E4E6-7330-4045-B26D-A5140A6474C6}" type="datetimeFigureOut">
               <a:rPr lang="uk-UA" smtClean="0"/>
-              <a:t>17.09.2024</a:t>
+              <a:t>18.09.2024</a:t>
             </a:fld>
             <a:endParaRPr lang="uk-UA"/>
           </a:p>
@@ -14595,7 +14658,7 @@
           <a:p>
             <a:fld id="{90D7E4E6-7330-4045-B26D-A5140A6474C6}" type="datetimeFigureOut">
               <a:rPr lang="uk-UA" smtClean="0"/>
-              <a:t>17.09.2024</a:t>
+              <a:t>18.09.2024</a:t>
             </a:fld>
             <a:endParaRPr lang="uk-UA"/>
           </a:p>
@@ -14827,7 +14890,7 @@
           <a:p>
             <a:fld id="{90D7E4E6-7330-4045-B26D-A5140A6474C6}" type="datetimeFigureOut">
               <a:rPr lang="uk-UA" smtClean="0"/>
-              <a:t>17.09.2024</a:t>
+              <a:t>18.09.2024</a:t>
             </a:fld>
             <a:endParaRPr lang="uk-UA"/>
           </a:p>
@@ -15208,7 +15271,7 @@
           <a:p>
             <a:fld id="{90D7E4E6-7330-4045-B26D-A5140A6474C6}" type="datetimeFigureOut">
               <a:rPr lang="uk-UA" smtClean="0"/>
-              <a:t>17.09.2024</a:t>
+              <a:t>18.09.2024</a:t>
             </a:fld>
             <a:endParaRPr lang="uk-UA"/>
           </a:p>
@@ -15326,7 +15389,7 @@
           <a:p>
             <a:fld id="{90D7E4E6-7330-4045-B26D-A5140A6474C6}" type="datetimeFigureOut">
               <a:rPr lang="uk-UA" smtClean="0"/>
-              <a:t>17.09.2024</a:t>
+              <a:t>18.09.2024</a:t>
             </a:fld>
             <a:endParaRPr lang="uk-UA"/>
           </a:p>
@@ -15421,7 +15484,7 @@
           <a:p>
             <a:fld id="{90D7E4E6-7330-4045-B26D-A5140A6474C6}" type="datetimeFigureOut">
               <a:rPr lang="uk-UA" smtClean="0"/>
-              <a:t>17.09.2024</a:t>
+              <a:t>18.09.2024</a:t>
             </a:fld>
             <a:endParaRPr lang="uk-UA"/>
           </a:p>
@@ -15670,7 +15733,7 @@
           <a:p>
             <a:fld id="{90D7E4E6-7330-4045-B26D-A5140A6474C6}" type="datetimeFigureOut">
               <a:rPr lang="uk-UA" smtClean="0"/>
-              <a:t>17.09.2024</a:t>
+              <a:t>18.09.2024</a:t>
             </a:fld>
             <a:endParaRPr lang="uk-UA"/>
           </a:p>
@@ -15950,7 +16013,7 @@
           <a:p>
             <a:fld id="{90D7E4E6-7330-4045-B26D-A5140A6474C6}" type="datetimeFigureOut">
               <a:rPr lang="uk-UA" smtClean="0"/>
-              <a:t>17.09.2024</a:t>
+              <a:t>18.09.2024</a:t>
             </a:fld>
             <a:endParaRPr lang="uk-UA"/>
           </a:p>
@@ -19027,7 +19090,7 @@
           <a:p>
             <a:fld id="{90D7E4E6-7330-4045-B26D-A5140A6474C6}" type="datetimeFigureOut">
               <a:rPr lang="uk-UA" smtClean="0"/>
-              <a:t>17.09.2024</a:t>
+              <a:t>18.09.2024</a:t>
             </a:fld>
             <a:endParaRPr lang="uk-UA"/>
           </a:p>
@@ -19699,6 +19762,315 @@
 </p:sld>
 </file>
 
+<file path=ppt/slides/slide10.xml><?xml version="1.0" encoding="utf-8"?>
+<p:sld xmlns:a="http://schemas.openxmlformats.org/drawingml/2006/main" xmlns:r="http://schemas.openxmlformats.org/officeDocument/2006/relationships" xmlns:p="http://schemas.openxmlformats.org/presentationml/2006/main">
+  <p:cSld>
+    <p:spTree>
+      <p:nvGrpSpPr>
+        <p:cNvPr id="1" name=""/>
+        <p:cNvGrpSpPr/>
+        <p:nvPr/>
+      </p:nvGrpSpPr>
+      <p:grpSpPr>
+        <a:xfrm>
+          <a:off x="0" y="0"/>
+          <a:ext cx="0" cy="0"/>
+          <a:chOff x="0" y="0"/>
+          <a:chExt cx="0" cy="0"/>
+        </a:xfrm>
+      </p:grpSpPr>
+      <p:sp>
+        <p:nvSpPr>
+          <p:cNvPr id="2" name="Заголовок 1">
+            <a:extLst>
+              <a:ext uri="{FF2B5EF4-FFF2-40B4-BE49-F238E27FC236}">
+                <a16:creationId xmlns:a16="http://schemas.microsoft.com/office/drawing/2014/main" id="{5E44D68B-4528-EB88-B07D-942EFBE43FDC}"/>
+              </a:ext>
+            </a:extLst>
+          </p:cNvPr>
+          <p:cNvSpPr>
+            <a:spLocks noGrp="1"/>
+          </p:cNvSpPr>
+          <p:nvPr>
+            <p:ph type="title"/>
+          </p:nvPr>
+        </p:nvSpPr>
+        <p:spPr/>
+        <p:txBody>
+          <a:bodyPr/>
+          <a:lstStyle/>
+          <a:p>
+            <a:r>
+              <a:rPr lang="uk-UA" dirty="0"/>
+              <a:t>Які залежності </a:t>
+            </a:r>
+            <a:r>
+              <a:rPr lang="uk-UA"/>
+              <a:t>можна впроваджувати ?</a:t>
+            </a:r>
+            <a:endParaRPr lang="uk-UA" dirty="0"/>
+          </a:p>
+        </p:txBody>
+      </p:sp>
+      <p:sp>
+        <p:nvSpPr>
+          <p:cNvPr id="3" name="Місце для вмісту 2">
+            <a:extLst>
+              <a:ext uri="{FF2B5EF4-FFF2-40B4-BE49-F238E27FC236}">
+                <a16:creationId xmlns:a16="http://schemas.microsoft.com/office/drawing/2014/main" id="{C2FCA320-A942-89A6-3EA0-AAF392B1E7F1}"/>
+              </a:ext>
+            </a:extLst>
+          </p:cNvPr>
+          <p:cNvSpPr>
+            <a:spLocks noGrp="1"/>
+          </p:cNvSpPr>
+          <p:nvPr>
+            <p:ph idx="1"/>
+          </p:nvPr>
+        </p:nvSpPr>
+        <p:spPr/>
+        <p:txBody>
+          <a:bodyPr/>
+          <a:lstStyle/>
+          <a:p>
+            <a:r>
+              <a:rPr lang="uk-UA" dirty="0"/>
+              <a:t>Будь який </a:t>
+            </a:r>
+            <a:r>
+              <a:rPr lang="en-US" dirty="0"/>
+              <a:t>callable() </a:t>
+            </a:r>
+            <a:r>
+              <a:rPr lang="uk-UA" dirty="0"/>
+              <a:t>об’єкт</a:t>
+            </a:r>
+          </a:p>
+          <a:p>
+            <a:r>
+              <a:rPr lang="uk-UA" dirty="0"/>
+              <a:t>Генератори. В цьому випадку генератор як правило </a:t>
+            </a:r>
+            <a:r>
+              <a:rPr lang="uk-UA" dirty="0" err="1"/>
+              <a:t>поділює</a:t>
+            </a:r>
+            <a:r>
+              <a:rPr lang="uk-UA" dirty="0"/>
+              <a:t> роботу на дві частини – до виконання функції і після її виконання. Наприклад – відкриття й закриття сесії підключення до бази даних.</a:t>
+            </a:r>
+          </a:p>
+          <a:p>
+            <a:r>
+              <a:rPr lang="uk-UA" dirty="0"/>
+              <a:t>Асинхронні функції</a:t>
+            </a:r>
+          </a:p>
+          <a:p>
+            <a:r>
+              <a:rPr lang="uk-UA" dirty="0"/>
+              <a:t>Асинхронні генератори</a:t>
+            </a:r>
+          </a:p>
+          <a:p>
+            <a:endParaRPr lang="uk-UA" dirty="0"/>
+          </a:p>
+          <a:p>
+            <a:endParaRPr lang="uk-UA" dirty="0"/>
+          </a:p>
+        </p:txBody>
+      </p:sp>
+    </p:spTree>
+    <p:extLst>
+      <p:ext uri="{BB962C8B-B14F-4D97-AF65-F5344CB8AC3E}">
+        <p14:creationId xmlns:p14="http://schemas.microsoft.com/office/powerpoint/2010/main" val="2914774472"/>
+      </p:ext>
+    </p:extLst>
+  </p:cSld>
+  <p:clrMapOvr>
+    <a:masterClrMapping/>
+  </p:clrMapOvr>
+</p:sld>
+</file>
+
+<file path=ppt/slides/slide11.xml><?xml version="1.0" encoding="utf-8"?>
+<p:sld xmlns:a="http://schemas.openxmlformats.org/drawingml/2006/main" xmlns:r="http://schemas.openxmlformats.org/officeDocument/2006/relationships" xmlns:p="http://schemas.openxmlformats.org/presentationml/2006/main">
+  <p:cSld>
+    <p:spTree>
+      <p:nvGrpSpPr>
+        <p:cNvPr id="1" name=""/>
+        <p:cNvGrpSpPr/>
+        <p:nvPr/>
+      </p:nvGrpSpPr>
+      <p:grpSpPr>
+        <a:xfrm>
+          <a:off x="0" y="0"/>
+          <a:ext cx="0" cy="0"/>
+          <a:chOff x="0" y="0"/>
+          <a:chExt cx="0" cy="0"/>
+        </a:xfrm>
+      </p:grpSpPr>
+      <p:sp>
+        <p:nvSpPr>
+          <p:cNvPr id="2" name="Заголовок 1">
+            <a:extLst>
+              <a:ext uri="{FF2B5EF4-FFF2-40B4-BE49-F238E27FC236}">
+                <a16:creationId xmlns:a16="http://schemas.microsoft.com/office/drawing/2014/main" id="{6E2C55B2-0BDA-C2D2-7C63-12E969430050}"/>
+              </a:ext>
+            </a:extLst>
+          </p:cNvPr>
+          <p:cNvSpPr>
+            <a:spLocks noGrp="1"/>
+          </p:cNvSpPr>
+          <p:nvPr>
+            <p:ph type="title"/>
+          </p:nvPr>
+        </p:nvSpPr>
+        <p:spPr/>
+        <p:txBody>
+          <a:bodyPr/>
+          <a:lstStyle/>
+          <a:p>
+            <a:r>
+              <a:rPr lang="uk-UA" dirty="0"/>
+              <a:t>Деякі посилання</a:t>
+            </a:r>
+          </a:p>
+        </p:txBody>
+      </p:sp>
+      <p:sp>
+        <p:nvSpPr>
+          <p:cNvPr id="3" name="Місце для вмісту 2">
+            <a:extLst>
+              <a:ext uri="{FF2B5EF4-FFF2-40B4-BE49-F238E27FC236}">
+                <a16:creationId xmlns:a16="http://schemas.microsoft.com/office/drawing/2014/main" id="{AFD37512-8DBB-38E3-77F5-F13DAA4A79C4}"/>
+              </a:ext>
+            </a:extLst>
+          </p:cNvPr>
+          <p:cNvSpPr>
+            <a:spLocks noGrp="1"/>
+          </p:cNvSpPr>
+          <p:nvPr>
+            <p:ph idx="1"/>
+          </p:nvPr>
+        </p:nvSpPr>
+        <p:spPr/>
+        <p:txBody>
+          <a:bodyPr>
+            <a:normAutofit fontScale="85000" lnSpcReduction="10000"/>
+          </a:bodyPr>
+          <a:lstStyle/>
+          <a:p>
+            <a:r>
+              <a:rPr lang="en-US" dirty="0">
+                <a:hlinkClick r:id="rId2"/>
+              </a:rPr>
+              <a:t>OAuth2 with Password (and hashing), Bearer with JWT tokens - FastAPI (tiangolo.com)</a:t>
+            </a:r>
+            <a:endParaRPr lang="en-US" dirty="0"/>
+          </a:p>
+          <a:p>
+            <a:r>
+              <a:rPr lang="ru-RU" dirty="0" err="1">
+                <a:hlinkClick r:id="rId3"/>
+              </a:rPr>
+              <a:t>Workshop</a:t>
+            </a:r>
+            <a:r>
+              <a:rPr lang="ru-RU" dirty="0">
+                <a:hlinkClick r:id="rId3"/>
+              </a:rPr>
+              <a:t>: пишем первый проект на FastAPI (youtube.com)</a:t>
+            </a:r>
+            <a:endParaRPr lang="en-US" dirty="0"/>
+          </a:p>
+          <a:p>
+            <a:r>
+              <a:rPr lang="ru-RU" dirty="0" err="1">
+                <a:hlinkClick r:id="rId4"/>
+              </a:rPr>
+              <a:t>Workshop</a:t>
+            </a:r>
+            <a:r>
+              <a:rPr lang="ru-RU" dirty="0">
+                <a:hlinkClick r:id="rId4"/>
+              </a:rPr>
+              <a:t> по FastAPI: авторизация, работа с файлами, фоновые задачи (youtube.com)</a:t>
+            </a:r>
+            <a:endParaRPr lang="en-US" dirty="0"/>
+          </a:p>
+          <a:p>
+            <a:r>
+              <a:rPr lang="ru-RU" dirty="0">
+                <a:hlinkClick r:id="rId5"/>
+              </a:rPr>
+              <a:t>Пет-проект на Python за 50 минут. Курс по FastAPI для начинающих [2024] (youtube.com)</a:t>
+            </a:r>
+            <a:endParaRPr lang="en-US" dirty="0"/>
+          </a:p>
+          <a:p>
+            <a:r>
+              <a:rPr lang="en-US" dirty="0">
+                <a:hlinkClick r:id="rId6"/>
+              </a:rPr>
+              <a:t>FastAPI - </a:t>
+            </a:r>
+            <a:r>
+              <a:rPr lang="uk-UA" dirty="0" err="1">
+                <a:hlinkClick r:id="rId6"/>
+              </a:rPr>
+              <a:t>Зачем</a:t>
+            </a:r>
+            <a:r>
+              <a:rPr lang="uk-UA" dirty="0">
+                <a:hlinkClick r:id="rId6"/>
+              </a:rPr>
+              <a:t> учить </a:t>
+            </a:r>
+            <a:r>
+              <a:rPr lang="en-US" dirty="0">
+                <a:hlinkClick r:id="rId6"/>
+              </a:rPr>
+              <a:t>FastAPI? #0 (youtube.com)</a:t>
+            </a:r>
+            <a:endParaRPr lang="en-US" dirty="0"/>
+          </a:p>
+          <a:p>
+            <a:r>
+              <a:rPr lang="en-US" dirty="0">
+                <a:hlinkClick r:id="rId7"/>
+              </a:rPr>
+              <a:t>The Twelve-Factor App (</a:t>
+            </a:r>
+            <a:r>
+              <a:rPr lang="uk-UA" dirty="0">
+                <a:hlinkClick r:id="rId7"/>
+              </a:rPr>
+              <a:t>Переклад українською) (12</a:t>
+            </a:r>
+            <a:r>
+              <a:rPr lang="en-US" dirty="0">
+                <a:hlinkClick r:id="rId7"/>
+              </a:rPr>
+              <a:t>factor.net)</a:t>
+            </a:r>
+            <a:endParaRPr lang="uk-UA" dirty="0"/>
+          </a:p>
+        </p:txBody>
+      </p:sp>
+    </p:spTree>
+    <p:extLst>
+      <p:ext uri="{BB962C8B-B14F-4D97-AF65-F5344CB8AC3E}">
+        <p14:creationId xmlns:p14="http://schemas.microsoft.com/office/powerpoint/2010/main" val="1739155466"/>
+      </p:ext>
+    </p:extLst>
+  </p:cSld>
+  <p:clrMapOvr>
+    <a:masterClrMapping/>
+  </p:clrMapOvr>
+</p:sld>
+</file>
+
 <file path=ppt/slides/slide2.xml><?xml version="1.0" encoding="utf-8"?>
 <p:sld xmlns:a="http://schemas.openxmlformats.org/drawingml/2006/main" xmlns:r="http://schemas.openxmlformats.org/officeDocument/2006/relationships" xmlns:p="http://schemas.openxmlformats.org/presentationml/2006/main">
   <p:cSld>
@@ -23335,7 +23707,7 @@
           <p:cNvPr id="2" name="Заголовок 1">
             <a:extLst>
               <a:ext uri="{FF2B5EF4-FFF2-40B4-BE49-F238E27FC236}">
-                <a16:creationId xmlns:a16="http://schemas.microsoft.com/office/drawing/2014/main" id="{6E2C55B2-0BDA-C2D2-7C63-12E969430050}"/>
+                <a16:creationId xmlns:a16="http://schemas.microsoft.com/office/drawing/2014/main" id="{1D7CAAED-7434-9986-B66B-3C3F647CEDE5}"/>
               </a:ext>
             </a:extLst>
           </p:cNvPr>
@@ -23346,15 +23718,29 @@
             <p:ph type="title"/>
           </p:nvPr>
         </p:nvSpPr>
-        <p:spPr/>
+        <p:spPr>
+          <a:xfrm>
+            <a:off x="1141412" y="399443"/>
+            <a:ext cx="9905998" cy="924532"/>
+          </a:xfrm>
+        </p:spPr>
         <p:txBody>
           <a:bodyPr/>
           <a:lstStyle/>
           <a:p>
             <a:r>
+              <a:rPr lang="en-US" dirty="0"/>
+              <a:t>Depends – </a:t>
+            </a:r>
+            <a:r>
               <a:rPr lang="uk-UA" dirty="0"/>
-              <a:t>Деякі посилання</a:t>
-            </a:r>
+              <a:t>Впровадження </a:t>
+            </a:r>
+            <a:r>
+              <a:rPr lang="uk-UA" dirty="0" err="1"/>
+              <a:t>залежностей</a:t>
+            </a:r>
+            <a:endParaRPr lang="uk-UA" dirty="0"/>
           </a:p>
         </p:txBody>
       </p:sp>
@@ -23363,7 +23749,7 @@
           <p:cNvPr id="3" name="Місце для вмісту 2">
             <a:extLst>
               <a:ext uri="{FF2B5EF4-FFF2-40B4-BE49-F238E27FC236}">
-                <a16:creationId xmlns:a16="http://schemas.microsoft.com/office/drawing/2014/main" id="{AFD37512-8DBB-38E3-77F5-F13DAA4A79C4}"/>
+                <a16:creationId xmlns:a16="http://schemas.microsoft.com/office/drawing/2014/main" id="{8DC2F205-59B9-2414-12B8-7110064B5931}"/>
               </a:ext>
             </a:extLst>
           </p:cNvPr>
@@ -23374,106 +23760,776 @@
             <p:ph idx="1"/>
           </p:nvPr>
         </p:nvSpPr>
-        <p:spPr/>
+        <p:spPr>
+          <a:xfrm>
+            <a:off x="1141412" y="1323975"/>
+            <a:ext cx="9905999" cy="5134582"/>
+          </a:xfrm>
+          <a:solidFill>
+            <a:schemeClr val="tx2">
+              <a:lumMod val="60000"/>
+              <a:lumOff val="40000"/>
+            </a:schemeClr>
+          </a:solidFill>
+        </p:spPr>
         <p:txBody>
           <a:bodyPr>
-            <a:normAutofit fontScale="85000" lnSpcReduction="10000"/>
+            <a:normAutofit fontScale="92500" lnSpcReduction="20000"/>
           </a:bodyPr>
           <a:lstStyle/>
           <a:p>
-            <a:r>
-              <a:rPr lang="en-US" dirty="0">
-                <a:hlinkClick r:id="rId2"/>
-              </a:rPr>
-              <a:t>OAuth2 with Password (and hashing), Bearer with JWT tokens - FastAPI (tiangolo.com)</a:t>
-            </a:r>
-            <a:endParaRPr lang="en-US" dirty="0"/>
-          </a:p>
-          <a:p>
-            <a:r>
-              <a:rPr lang="ru-RU" dirty="0" err="1">
-                <a:hlinkClick r:id="rId3"/>
-              </a:rPr>
-              <a:t>Workshop</a:t>
-            </a:r>
-            <a:r>
-              <a:rPr lang="ru-RU" dirty="0">
-                <a:hlinkClick r:id="rId3"/>
-              </a:rPr>
-              <a:t>: пишем первый проект на FastAPI (youtube.com)</a:t>
-            </a:r>
-            <a:endParaRPr lang="en-US" dirty="0"/>
-          </a:p>
-          <a:p>
-            <a:r>
-              <a:rPr lang="ru-RU" dirty="0" err="1">
-                <a:hlinkClick r:id="rId4"/>
-              </a:rPr>
-              <a:t>Workshop</a:t>
-            </a:r>
-            <a:r>
-              <a:rPr lang="ru-RU" dirty="0">
-                <a:hlinkClick r:id="rId4"/>
-              </a:rPr>
-              <a:t> по FastAPI: авторизация, работа с файлами, фоновые задачи (youtube.com)</a:t>
-            </a:r>
-            <a:endParaRPr lang="en-US" dirty="0"/>
-          </a:p>
-          <a:p>
-            <a:r>
-              <a:rPr lang="ru-RU" dirty="0">
-                <a:hlinkClick r:id="rId5"/>
-              </a:rPr>
-              <a:t>Пет-проект на Python за 50 минут. Курс по FastAPI для начинающих [2024] (youtube.com)</a:t>
-            </a:r>
-            <a:endParaRPr lang="en-US" dirty="0"/>
-          </a:p>
-          <a:p>
-            <a:r>
-              <a:rPr lang="en-US" dirty="0">
-                <a:hlinkClick r:id="rId6"/>
-              </a:rPr>
-              <a:t>FastAPI - </a:t>
-            </a:r>
-            <a:r>
-              <a:rPr lang="uk-UA" dirty="0" err="1">
-                <a:hlinkClick r:id="rId6"/>
-              </a:rPr>
-              <a:t>Зачем</a:t>
-            </a:r>
-            <a:r>
-              <a:rPr lang="uk-UA" dirty="0">
-                <a:hlinkClick r:id="rId6"/>
-              </a:rPr>
-              <a:t> учить </a:t>
-            </a:r>
-            <a:r>
-              <a:rPr lang="en-US" dirty="0">
-                <a:hlinkClick r:id="rId6"/>
-              </a:rPr>
-              <a:t>FastAPI? #0 (youtube.com)</a:t>
-            </a:r>
-            <a:endParaRPr lang="en-US" dirty="0"/>
-          </a:p>
-          <a:p>
-            <a:r>
-              <a:rPr lang="en-US" dirty="0">
-                <a:hlinkClick r:id="rId7"/>
-              </a:rPr>
-              <a:t>The Twelve-Factor App (</a:t>
-            </a:r>
-            <a:r>
-              <a:rPr lang="uk-UA" dirty="0">
-                <a:hlinkClick r:id="rId7"/>
-              </a:rPr>
-              <a:t>Переклад українською) (12</a:t>
-            </a:r>
-            <a:r>
-              <a:rPr lang="en-US" dirty="0">
-                <a:hlinkClick r:id="rId7"/>
-              </a:rPr>
-              <a:t>factor.net)</a:t>
-            </a:r>
+            <a:pPr marL="0" indent="0">
+              <a:buNone/>
+            </a:pPr>
+            <a:r>
+              <a:rPr lang="en-US" b="1" dirty="0">
+                <a:solidFill>
+                  <a:srgbClr val="93A1A1"/>
+                </a:solidFill>
+                <a:effectLst/>
+                <a:latin typeface="Consolas" panose="020B0609020204030204" pitchFamily="49" charset="0"/>
+              </a:rPr>
+              <a:t>def</a:t>
+            </a:r>
+            <a:r>
+              <a:rPr lang="en-US" b="0" dirty="0">
+                <a:solidFill>
+                  <a:srgbClr val="839496"/>
+                </a:solidFill>
+                <a:effectLst/>
+                <a:latin typeface="Consolas" panose="020B0609020204030204" pitchFamily="49" charset="0"/>
+              </a:rPr>
+              <a:t> </a:t>
+            </a:r>
+            <a:r>
+              <a:rPr lang="en-US" b="0" dirty="0" err="1">
+                <a:solidFill>
+                  <a:srgbClr val="268BD2"/>
+                </a:solidFill>
+                <a:effectLst/>
+                <a:latin typeface="Consolas" panose="020B0609020204030204" pitchFamily="49" charset="0"/>
+              </a:rPr>
+              <a:t>get_session</a:t>
+            </a:r>
+            <a:r>
+              <a:rPr lang="en-US" b="0" dirty="0">
+                <a:solidFill>
+                  <a:srgbClr val="839496"/>
+                </a:solidFill>
+                <a:effectLst/>
+                <a:latin typeface="Consolas" panose="020B0609020204030204" pitchFamily="49" charset="0"/>
+              </a:rPr>
+              <a:t>() -&gt; </a:t>
+            </a:r>
+            <a:r>
+              <a:rPr lang="en-US" b="0" dirty="0">
+                <a:solidFill>
+                  <a:srgbClr val="268BD2"/>
+                </a:solidFill>
+                <a:effectLst/>
+                <a:latin typeface="Consolas" panose="020B0609020204030204" pitchFamily="49" charset="0"/>
+              </a:rPr>
+              <a:t>Session</a:t>
+            </a:r>
+            <a:r>
+              <a:rPr lang="en-US" b="0" dirty="0">
+                <a:solidFill>
+                  <a:srgbClr val="839496"/>
+                </a:solidFill>
+                <a:effectLst/>
+                <a:latin typeface="Consolas" panose="020B0609020204030204" pitchFamily="49" charset="0"/>
+              </a:rPr>
+              <a:t>:</a:t>
+            </a:r>
+          </a:p>
+          <a:p>
+            <a:pPr marL="0" indent="0">
+              <a:buNone/>
+            </a:pPr>
+            <a:r>
+              <a:rPr lang="en-US" b="0" dirty="0">
+                <a:solidFill>
+                  <a:srgbClr val="839496"/>
+                </a:solidFill>
+                <a:effectLst/>
+                <a:latin typeface="Consolas" panose="020B0609020204030204" pitchFamily="49" charset="0"/>
+              </a:rPr>
+              <a:t>    </a:t>
+            </a:r>
+            <a:r>
+              <a:rPr lang="en-US" b="0" dirty="0">
+                <a:solidFill>
+                  <a:srgbClr val="268BD2"/>
+                </a:solidFill>
+                <a:effectLst/>
+                <a:latin typeface="Consolas" panose="020B0609020204030204" pitchFamily="49" charset="0"/>
+              </a:rPr>
+              <a:t>session</a:t>
+            </a:r>
+            <a:r>
+              <a:rPr lang="en-US" b="0" dirty="0">
+                <a:solidFill>
+                  <a:srgbClr val="839496"/>
+                </a:solidFill>
+                <a:effectLst/>
+                <a:latin typeface="Consolas" panose="020B0609020204030204" pitchFamily="49" charset="0"/>
+              </a:rPr>
+              <a:t> </a:t>
+            </a:r>
+            <a:r>
+              <a:rPr lang="en-US" b="0" dirty="0">
+                <a:solidFill>
+                  <a:srgbClr val="859900"/>
+                </a:solidFill>
+                <a:effectLst/>
+                <a:latin typeface="Consolas" panose="020B0609020204030204" pitchFamily="49" charset="0"/>
+              </a:rPr>
+              <a:t>=</a:t>
+            </a:r>
+            <a:r>
+              <a:rPr lang="en-US" b="0" dirty="0">
+                <a:solidFill>
+                  <a:srgbClr val="839496"/>
+                </a:solidFill>
+                <a:effectLst/>
+                <a:latin typeface="Consolas" panose="020B0609020204030204" pitchFamily="49" charset="0"/>
+              </a:rPr>
+              <a:t> </a:t>
+            </a:r>
+            <a:r>
+              <a:rPr lang="en-US" b="0" dirty="0">
+                <a:solidFill>
+                  <a:srgbClr val="268BD2"/>
+                </a:solidFill>
+                <a:effectLst/>
+                <a:latin typeface="Consolas" panose="020B0609020204030204" pitchFamily="49" charset="0"/>
+              </a:rPr>
+              <a:t>Session</a:t>
+            </a:r>
+            <a:r>
+              <a:rPr lang="en-US" b="0" dirty="0">
+                <a:solidFill>
+                  <a:srgbClr val="839496"/>
+                </a:solidFill>
+                <a:effectLst/>
+                <a:latin typeface="Consolas" panose="020B0609020204030204" pitchFamily="49" charset="0"/>
+              </a:rPr>
+              <a:t>()</a:t>
+            </a:r>
+          </a:p>
+          <a:p>
+            <a:pPr marL="0" indent="0">
+              <a:buNone/>
+            </a:pPr>
+            <a:r>
+              <a:rPr lang="en-US" b="0" dirty="0">
+                <a:solidFill>
+                  <a:srgbClr val="839496"/>
+                </a:solidFill>
+                <a:effectLst/>
+                <a:latin typeface="Consolas" panose="020B0609020204030204" pitchFamily="49" charset="0"/>
+              </a:rPr>
+              <a:t>    </a:t>
+            </a:r>
+            <a:r>
+              <a:rPr lang="en-US" b="0" dirty="0">
+                <a:solidFill>
+                  <a:srgbClr val="859900"/>
+                </a:solidFill>
+                <a:effectLst/>
+                <a:latin typeface="Consolas" panose="020B0609020204030204" pitchFamily="49" charset="0"/>
+              </a:rPr>
+              <a:t>try</a:t>
+            </a:r>
+            <a:r>
+              <a:rPr lang="en-US" b="0" dirty="0">
+                <a:solidFill>
+                  <a:srgbClr val="839496"/>
+                </a:solidFill>
+                <a:effectLst/>
+                <a:latin typeface="Consolas" panose="020B0609020204030204" pitchFamily="49" charset="0"/>
+              </a:rPr>
+              <a:t>:</a:t>
+            </a:r>
+          </a:p>
+          <a:p>
+            <a:pPr marL="0" indent="0">
+              <a:buNone/>
+            </a:pPr>
+            <a:r>
+              <a:rPr lang="en-US" b="0" dirty="0">
+                <a:solidFill>
+                  <a:srgbClr val="839496"/>
+                </a:solidFill>
+                <a:effectLst/>
+                <a:latin typeface="Consolas" panose="020B0609020204030204" pitchFamily="49" charset="0"/>
+              </a:rPr>
+              <a:t>        </a:t>
+            </a:r>
+            <a:r>
+              <a:rPr lang="en-US" b="0" dirty="0">
+                <a:solidFill>
+                  <a:srgbClr val="859900"/>
+                </a:solidFill>
+                <a:effectLst/>
+                <a:latin typeface="Consolas" panose="020B0609020204030204" pitchFamily="49" charset="0"/>
+              </a:rPr>
+              <a:t>return</a:t>
+            </a:r>
+            <a:r>
+              <a:rPr lang="en-US" b="0" dirty="0">
+                <a:solidFill>
+                  <a:srgbClr val="839496"/>
+                </a:solidFill>
+                <a:effectLst/>
+                <a:latin typeface="Consolas" panose="020B0609020204030204" pitchFamily="49" charset="0"/>
+              </a:rPr>
+              <a:t> </a:t>
+            </a:r>
+            <a:r>
+              <a:rPr lang="en-US" b="0" dirty="0">
+                <a:solidFill>
+                  <a:srgbClr val="268BD2"/>
+                </a:solidFill>
+                <a:effectLst/>
+                <a:latin typeface="Consolas" panose="020B0609020204030204" pitchFamily="49" charset="0"/>
+              </a:rPr>
+              <a:t>session</a:t>
+            </a:r>
+            <a:endParaRPr lang="en-US" b="0" dirty="0">
+              <a:solidFill>
+                <a:srgbClr val="839496"/>
+              </a:solidFill>
+              <a:effectLst/>
+              <a:latin typeface="Consolas" panose="020B0609020204030204" pitchFamily="49" charset="0"/>
+            </a:endParaRPr>
+          </a:p>
+          <a:p>
+            <a:pPr marL="0" indent="0">
+              <a:buNone/>
+            </a:pPr>
+            <a:r>
+              <a:rPr lang="en-US" b="0" dirty="0">
+                <a:solidFill>
+                  <a:srgbClr val="839496"/>
+                </a:solidFill>
+                <a:effectLst/>
+                <a:latin typeface="Consolas" panose="020B0609020204030204" pitchFamily="49" charset="0"/>
+              </a:rPr>
+              <a:t>    </a:t>
+            </a:r>
+            <a:r>
+              <a:rPr lang="en-US" b="0" dirty="0">
+                <a:solidFill>
+                  <a:srgbClr val="859900"/>
+                </a:solidFill>
+                <a:effectLst/>
+                <a:latin typeface="Consolas" panose="020B0609020204030204" pitchFamily="49" charset="0"/>
+              </a:rPr>
+              <a:t>finally</a:t>
+            </a:r>
+            <a:r>
+              <a:rPr lang="en-US" b="0" dirty="0">
+                <a:solidFill>
+                  <a:srgbClr val="839496"/>
+                </a:solidFill>
+                <a:effectLst/>
+                <a:latin typeface="Consolas" panose="020B0609020204030204" pitchFamily="49" charset="0"/>
+              </a:rPr>
+              <a:t>:</a:t>
+            </a:r>
+          </a:p>
+          <a:p>
+            <a:pPr marL="0" indent="0">
+              <a:buNone/>
+            </a:pPr>
+            <a:r>
+              <a:rPr lang="en-US" b="0" dirty="0">
+                <a:solidFill>
+                  <a:srgbClr val="839496"/>
+                </a:solidFill>
+                <a:effectLst/>
+                <a:latin typeface="Consolas" panose="020B0609020204030204" pitchFamily="49" charset="0"/>
+              </a:rPr>
+              <a:t>        </a:t>
+            </a:r>
+            <a:r>
+              <a:rPr lang="en-US" b="0" dirty="0" err="1">
+                <a:solidFill>
+                  <a:srgbClr val="268BD2"/>
+                </a:solidFill>
+                <a:effectLst/>
+                <a:latin typeface="Consolas" panose="020B0609020204030204" pitchFamily="49" charset="0"/>
+              </a:rPr>
+              <a:t>session</a:t>
+            </a:r>
+            <a:r>
+              <a:rPr lang="en-US" b="0" dirty="0" err="1">
+                <a:solidFill>
+                  <a:srgbClr val="839496"/>
+                </a:solidFill>
+                <a:effectLst/>
+                <a:latin typeface="Consolas" panose="020B0609020204030204" pitchFamily="49" charset="0"/>
+              </a:rPr>
+              <a:t>.</a:t>
+            </a:r>
+            <a:r>
+              <a:rPr lang="en-US" b="0" dirty="0" err="1">
+                <a:solidFill>
+                  <a:srgbClr val="268BD2"/>
+                </a:solidFill>
+                <a:effectLst/>
+                <a:latin typeface="Consolas" panose="020B0609020204030204" pitchFamily="49" charset="0"/>
+              </a:rPr>
+              <a:t>close</a:t>
+            </a:r>
+            <a:r>
+              <a:rPr lang="en-US" b="0" dirty="0">
+                <a:solidFill>
+                  <a:srgbClr val="839496"/>
+                </a:solidFill>
+                <a:effectLst/>
+                <a:latin typeface="Consolas" panose="020B0609020204030204" pitchFamily="49" charset="0"/>
+              </a:rPr>
+              <a:t>()</a:t>
+            </a:r>
+            <a:endParaRPr lang="uk-UA" b="0" dirty="0">
+              <a:solidFill>
+                <a:srgbClr val="839496"/>
+              </a:solidFill>
+              <a:effectLst/>
+              <a:latin typeface="Consolas" panose="020B0609020204030204" pitchFamily="49" charset="0"/>
+            </a:endParaRPr>
+          </a:p>
+          <a:p>
+            <a:pPr marL="0" indent="0">
+              <a:buNone/>
+            </a:pPr>
+            <a:endParaRPr lang="uk-UA" dirty="0">
+              <a:solidFill>
+                <a:srgbClr val="839496"/>
+              </a:solidFill>
+              <a:latin typeface="Consolas" panose="020B0609020204030204" pitchFamily="49" charset="0"/>
+            </a:endParaRPr>
+          </a:p>
+          <a:p>
+            <a:pPr marL="0" indent="0">
+              <a:buNone/>
+            </a:pPr>
+            <a:r>
+              <a:rPr lang="en-US" b="0" dirty="0">
+                <a:solidFill>
+                  <a:srgbClr val="268BD2"/>
+                </a:solidFill>
+                <a:effectLst/>
+                <a:latin typeface="Consolas" panose="020B0609020204030204" pitchFamily="49" charset="0"/>
+              </a:rPr>
+              <a:t>@router.get</a:t>
+            </a:r>
+            <a:r>
+              <a:rPr lang="en-US" b="0" dirty="0">
+                <a:solidFill>
+                  <a:srgbClr val="839496"/>
+                </a:solidFill>
+                <a:effectLst/>
+                <a:latin typeface="Consolas" panose="020B0609020204030204" pitchFamily="49" charset="0"/>
+              </a:rPr>
+              <a:t>(</a:t>
+            </a:r>
+            <a:r>
+              <a:rPr lang="en-US" b="0" dirty="0">
+                <a:solidFill>
+                  <a:srgbClr val="2AA198"/>
+                </a:solidFill>
+                <a:effectLst/>
+                <a:latin typeface="Consolas" panose="020B0609020204030204" pitchFamily="49" charset="0"/>
+              </a:rPr>
+              <a:t>"/"</a:t>
+            </a:r>
+            <a:r>
+              <a:rPr lang="en-US" b="0" dirty="0">
+                <a:solidFill>
+                  <a:srgbClr val="839496"/>
+                </a:solidFill>
+                <a:effectLst/>
+                <a:latin typeface="Consolas" panose="020B0609020204030204" pitchFamily="49" charset="0"/>
+              </a:rPr>
+              <a:t>, response_model</a:t>
+            </a:r>
+            <a:r>
+              <a:rPr lang="en-US" b="0" dirty="0">
+                <a:solidFill>
+                  <a:srgbClr val="859900"/>
+                </a:solidFill>
+                <a:effectLst/>
+                <a:latin typeface="Consolas" panose="020B0609020204030204" pitchFamily="49" charset="0"/>
+              </a:rPr>
+              <a:t>=</a:t>
+            </a:r>
+            <a:r>
+              <a:rPr lang="en-US" b="0" dirty="0">
+                <a:solidFill>
+                  <a:srgbClr val="CB4B16"/>
+                </a:solidFill>
+                <a:effectLst/>
+                <a:latin typeface="Consolas" panose="020B0609020204030204" pitchFamily="49" charset="0"/>
+              </a:rPr>
+              <a:t>list</a:t>
+            </a:r>
+            <a:r>
+              <a:rPr lang="en-US" b="0" dirty="0">
+                <a:solidFill>
+                  <a:srgbClr val="839496"/>
+                </a:solidFill>
+                <a:effectLst/>
+                <a:latin typeface="Consolas" panose="020B0609020204030204" pitchFamily="49" charset="0"/>
+              </a:rPr>
+              <a:t>[</a:t>
+            </a:r>
+            <a:r>
+              <a:rPr lang="en-US" b="0" dirty="0">
+                <a:solidFill>
+                  <a:srgbClr val="CB4B16"/>
+                </a:solidFill>
+                <a:effectLst/>
+                <a:latin typeface="Consolas" panose="020B0609020204030204" pitchFamily="49" charset="0"/>
+              </a:rPr>
+              <a:t>Film</a:t>
+            </a:r>
+            <a:r>
+              <a:rPr lang="en-US" b="0" dirty="0">
+                <a:solidFill>
+                  <a:srgbClr val="839496"/>
+                </a:solidFill>
+                <a:effectLst/>
+                <a:latin typeface="Consolas" panose="020B0609020204030204" pitchFamily="49" charset="0"/>
+              </a:rPr>
+              <a:t>])</a:t>
+            </a:r>
+          </a:p>
+          <a:p>
+            <a:pPr marL="0" indent="0">
+              <a:buNone/>
+            </a:pPr>
+            <a:r>
+              <a:rPr lang="en-US" b="1" dirty="0">
+                <a:solidFill>
+                  <a:srgbClr val="93A1A1"/>
+                </a:solidFill>
+                <a:effectLst/>
+                <a:latin typeface="Consolas" panose="020B0609020204030204" pitchFamily="49" charset="0"/>
+              </a:rPr>
+              <a:t>def</a:t>
+            </a:r>
+            <a:r>
+              <a:rPr lang="en-US" b="0" dirty="0">
+                <a:solidFill>
+                  <a:srgbClr val="839496"/>
+                </a:solidFill>
+                <a:effectLst/>
+                <a:latin typeface="Consolas" panose="020B0609020204030204" pitchFamily="49" charset="0"/>
+              </a:rPr>
+              <a:t> </a:t>
+            </a:r>
+            <a:r>
+              <a:rPr lang="en-US" b="0" dirty="0" err="1">
+                <a:solidFill>
+                  <a:srgbClr val="268BD2"/>
+                </a:solidFill>
+                <a:effectLst/>
+                <a:latin typeface="Consolas" panose="020B0609020204030204" pitchFamily="49" charset="0"/>
+              </a:rPr>
+              <a:t>read_films</a:t>
+            </a:r>
+            <a:r>
+              <a:rPr lang="en-US" b="0" dirty="0">
+                <a:solidFill>
+                  <a:srgbClr val="839496"/>
+                </a:solidFill>
+                <a:effectLst/>
+                <a:latin typeface="Consolas" panose="020B0609020204030204" pitchFamily="49" charset="0"/>
+              </a:rPr>
+              <a:t>(session: </a:t>
+            </a:r>
+            <a:r>
+              <a:rPr lang="en-US" b="0" dirty="0">
+                <a:solidFill>
+                  <a:srgbClr val="CB4B16"/>
+                </a:solidFill>
+                <a:effectLst/>
+                <a:latin typeface="Consolas" panose="020B0609020204030204" pitchFamily="49" charset="0"/>
+              </a:rPr>
+              <a:t>Session</a:t>
+            </a:r>
+            <a:r>
+              <a:rPr lang="en-US" b="0" dirty="0">
+                <a:solidFill>
+                  <a:srgbClr val="839496"/>
+                </a:solidFill>
+                <a:effectLst/>
+                <a:latin typeface="Consolas" panose="020B0609020204030204" pitchFamily="49" charset="0"/>
+              </a:rPr>
+              <a:t> </a:t>
+            </a:r>
+            <a:r>
+              <a:rPr lang="en-US" b="0" dirty="0">
+                <a:solidFill>
+                  <a:srgbClr val="859900"/>
+                </a:solidFill>
+                <a:effectLst/>
+                <a:latin typeface="Consolas" panose="020B0609020204030204" pitchFamily="49" charset="0"/>
+              </a:rPr>
+              <a:t>=</a:t>
+            </a:r>
+            <a:r>
+              <a:rPr lang="en-US" b="0" dirty="0">
+                <a:solidFill>
+                  <a:srgbClr val="839496"/>
+                </a:solidFill>
+                <a:effectLst/>
+                <a:latin typeface="Consolas" panose="020B0609020204030204" pitchFamily="49" charset="0"/>
+              </a:rPr>
+              <a:t> </a:t>
+            </a:r>
+            <a:r>
+              <a:rPr lang="en-US" b="0" dirty="0">
+                <a:solidFill>
+                  <a:srgbClr val="268BD2"/>
+                </a:solidFill>
+                <a:effectLst/>
+                <a:latin typeface="Consolas" panose="020B0609020204030204" pitchFamily="49" charset="0"/>
+              </a:rPr>
+              <a:t>Depends</a:t>
+            </a:r>
+            <a:r>
+              <a:rPr lang="en-US" b="0" dirty="0">
+                <a:solidFill>
+                  <a:srgbClr val="839496"/>
+                </a:solidFill>
+                <a:effectLst/>
+                <a:latin typeface="Consolas" panose="020B0609020204030204" pitchFamily="49" charset="0"/>
+              </a:rPr>
+              <a:t>(</a:t>
+            </a:r>
+            <a:r>
+              <a:rPr lang="en-US" b="0" dirty="0" err="1">
+                <a:solidFill>
+                  <a:srgbClr val="268BD2"/>
+                </a:solidFill>
+                <a:effectLst/>
+                <a:latin typeface="Consolas" panose="020B0609020204030204" pitchFamily="49" charset="0"/>
+              </a:rPr>
+              <a:t>get_session</a:t>
+            </a:r>
+            <a:r>
+              <a:rPr lang="en-US" b="0" dirty="0">
+                <a:solidFill>
+                  <a:srgbClr val="839496"/>
+                </a:solidFill>
+                <a:effectLst/>
+                <a:latin typeface="Consolas" panose="020B0609020204030204" pitchFamily="49" charset="0"/>
+              </a:rPr>
+              <a:t>) ):</a:t>
+            </a:r>
+          </a:p>
+          <a:p>
+            <a:pPr marL="0" indent="0">
+              <a:buNone/>
+            </a:pPr>
+            <a:r>
+              <a:rPr lang="en-US" b="0" dirty="0">
+                <a:solidFill>
+                  <a:srgbClr val="839496"/>
+                </a:solidFill>
+                <a:effectLst/>
+                <a:latin typeface="Consolas" panose="020B0609020204030204" pitchFamily="49" charset="0"/>
+              </a:rPr>
+              <a:t>    </a:t>
+            </a:r>
+            <a:r>
+              <a:rPr lang="en-US" b="0" dirty="0">
+                <a:solidFill>
+                  <a:srgbClr val="268BD2"/>
+                </a:solidFill>
+                <a:effectLst/>
+                <a:latin typeface="Consolas" panose="020B0609020204030204" pitchFamily="49" charset="0"/>
+              </a:rPr>
+              <a:t>films</a:t>
+            </a:r>
+            <a:r>
+              <a:rPr lang="en-US" b="0" dirty="0">
+                <a:solidFill>
+                  <a:srgbClr val="839496"/>
+                </a:solidFill>
+                <a:effectLst/>
+                <a:latin typeface="Consolas" panose="020B0609020204030204" pitchFamily="49" charset="0"/>
+              </a:rPr>
+              <a:t> </a:t>
+            </a:r>
+            <a:r>
+              <a:rPr lang="en-US" b="0" dirty="0">
+                <a:solidFill>
+                  <a:srgbClr val="859900"/>
+                </a:solidFill>
+                <a:effectLst/>
+                <a:latin typeface="Consolas" panose="020B0609020204030204" pitchFamily="49" charset="0"/>
+              </a:rPr>
+              <a:t>=</a:t>
+            </a:r>
+            <a:r>
+              <a:rPr lang="en-US" b="0" dirty="0">
+                <a:solidFill>
+                  <a:srgbClr val="839496"/>
+                </a:solidFill>
+                <a:effectLst/>
+                <a:latin typeface="Consolas" panose="020B0609020204030204" pitchFamily="49" charset="0"/>
+              </a:rPr>
+              <a:t> </a:t>
+            </a:r>
+            <a:r>
+              <a:rPr lang="en-US" b="0" dirty="0" err="1">
+                <a:solidFill>
+                  <a:srgbClr val="839496"/>
+                </a:solidFill>
+                <a:effectLst/>
+                <a:latin typeface="Consolas" panose="020B0609020204030204" pitchFamily="49" charset="0"/>
+              </a:rPr>
+              <a:t>session.</a:t>
+            </a:r>
+            <a:r>
+              <a:rPr lang="en-US" b="0" dirty="0" err="1">
+                <a:solidFill>
+                  <a:srgbClr val="268BD2"/>
+                </a:solidFill>
+                <a:effectLst/>
+                <a:latin typeface="Consolas" panose="020B0609020204030204" pitchFamily="49" charset="0"/>
+              </a:rPr>
+              <a:t>query</a:t>
+            </a:r>
+            <a:r>
+              <a:rPr lang="en-US" b="0" dirty="0">
+                <a:solidFill>
+                  <a:srgbClr val="839496"/>
+                </a:solidFill>
+                <a:effectLst/>
+                <a:latin typeface="Consolas" panose="020B0609020204030204" pitchFamily="49" charset="0"/>
+              </a:rPr>
+              <a:t>(</a:t>
+            </a:r>
+            <a:r>
+              <a:rPr lang="en-US" b="0" dirty="0" err="1">
+                <a:solidFill>
+                  <a:srgbClr val="CB4B16"/>
+                </a:solidFill>
+                <a:effectLst/>
+                <a:latin typeface="Consolas" panose="020B0609020204030204" pitchFamily="49" charset="0"/>
+              </a:rPr>
+              <a:t>tables</a:t>
+            </a:r>
+            <a:r>
+              <a:rPr lang="en-US" b="0" dirty="0" err="1">
+                <a:solidFill>
+                  <a:srgbClr val="839496"/>
+                </a:solidFill>
+                <a:effectLst/>
+                <a:latin typeface="Consolas" panose="020B0609020204030204" pitchFamily="49" charset="0"/>
+              </a:rPr>
+              <a:t>.</a:t>
+            </a:r>
+            <a:r>
+              <a:rPr lang="en-US" b="0" dirty="0" err="1">
+                <a:solidFill>
+                  <a:srgbClr val="CB4B16"/>
+                </a:solidFill>
+                <a:effectLst/>
+                <a:latin typeface="Consolas" panose="020B0609020204030204" pitchFamily="49" charset="0"/>
+              </a:rPr>
+              <a:t>Films</a:t>
+            </a:r>
+            <a:r>
+              <a:rPr lang="en-US" b="0" dirty="0">
+                <a:solidFill>
+                  <a:srgbClr val="839496"/>
+                </a:solidFill>
+                <a:effectLst/>
+                <a:latin typeface="Consolas" panose="020B0609020204030204" pitchFamily="49" charset="0"/>
+              </a:rPr>
+              <a:t>).</a:t>
+            </a:r>
+            <a:r>
+              <a:rPr lang="en-US" b="0" dirty="0">
+                <a:solidFill>
+                  <a:srgbClr val="268BD2"/>
+                </a:solidFill>
+                <a:effectLst/>
+                <a:latin typeface="Consolas" panose="020B0609020204030204" pitchFamily="49" charset="0"/>
+              </a:rPr>
+              <a:t>all</a:t>
+            </a:r>
+            <a:r>
+              <a:rPr lang="en-US" b="0" dirty="0">
+                <a:solidFill>
+                  <a:srgbClr val="839496"/>
+                </a:solidFill>
+                <a:effectLst/>
+                <a:latin typeface="Consolas" panose="020B0609020204030204" pitchFamily="49" charset="0"/>
+              </a:rPr>
+              <a:t>()</a:t>
+            </a:r>
+          </a:p>
+          <a:p>
+            <a:pPr marL="0" indent="0">
+              <a:buNone/>
+            </a:pPr>
+            <a:r>
+              <a:rPr lang="en-US" b="0" dirty="0">
+                <a:solidFill>
+                  <a:srgbClr val="839496"/>
+                </a:solidFill>
+                <a:effectLst/>
+                <a:latin typeface="Consolas" panose="020B0609020204030204" pitchFamily="49" charset="0"/>
+              </a:rPr>
+              <a:t>    </a:t>
+            </a:r>
+            <a:r>
+              <a:rPr lang="en-US" b="0" dirty="0">
+                <a:solidFill>
+                  <a:srgbClr val="859900"/>
+                </a:solidFill>
+                <a:effectLst/>
+                <a:latin typeface="Consolas" panose="020B0609020204030204" pitchFamily="49" charset="0"/>
+              </a:rPr>
+              <a:t>return</a:t>
+            </a:r>
+            <a:r>
+              <a:rPr lang="en-US" b="0" dirty="0">
+                <a:solidFill>
+                  <a:srgbClr val="839496"/>
+                </a:solidFill>
+                <a:effectLst/>
+                <a:latin typeface="Consolas" panose="020B0609020204030204" pitchFamily="49" charset="0"/>
+              </a:rPr>
+              <a:t> </a:t>
+            </a:r>
+            <a:r>
+              <a:rPr lang="en-US" b="0" dirty="0">
+                <a:solidFill>
+                  <a:srgbClr val="268BD2"/>
+                </a:solidFill>
+                <a:effectLst/>
+                <a:latin typeface="Consolas" panose="020B0609020204030204" pitchFamily="49" charset="0"/>
+              </a:rPr>
+              <a:t>films</a:t>
+            </a:r>
+            <a:endParaRPr lang="en-US" b="0" dirty="0">
+              <a:solidFill>
+                <a:srgbClr val="839496"/>
+              </a:solidFill>
+              <a:effectLst/>
+              <a:latin typeface="Consolas" panose="020B0609020204030204" pitchFamily="49" charset="0"/>
+            </a:endParaRPr>
+          </a:p>
+          <a:p>
             <a:endParaRPr lang="uk-UA" dirty="0"/>
           </a:p>
         </p:txBody>
@@ -23481,7 +24537,7 @@
     </p:spTree>
     <p:extLst>
       <p:ext uri="{BB962C8B-B14F-4D97-AF65-F5344CB8AC3E}">
-        <p14:creationId xmlns:p14="http://schemas.microsoft.com/office/powerpoint/2010/main" val="1739155466"/>
+        <p14:creationId xmlns:p14="http://schemas.microsoft.com/office/powerpoint/2010/main" val="920398141"/>
       </p:ext>
     </p:extLst>
   </p:cSld>
